--- a/Hack U　プレゼン資料.pptx
+++ b/Hack U　プレゼン資料.pptx
@@ -4695,7 +4695,7 @@
           <a:p>
             <a:fld id="{BA9559AF-20B2-40E1-8ED0-444A8F702E8D}" type="datetimeFigureOut">
               <a:rPr kumimoji="1" lang="ja-JP" altLang="en-US" smtClean="0"/>
-              <a:t>2019/8/19</a:t>
+              <a:t>2019/8/20</a:t>
             </a:fld>
             <a:endParaRPr kumimoji="1" lang="ja-JP" altLang="en-US"/>
           </a:p>
@@ -6294,7 +6294,7 @@
             <a:fld id="{9334D819-9F07-4261-B09B-9E467E5D9002}" type="datetimeFigureOut">
               <a:rPr lang="en-US" dirty="0"/>
               <a:pPr/>
-              <a:t>8/19/2019</a:t>
+              <a:t>8/20/2019</a:t>
             </a:fld>
             <a:endParaRPr lang="en-US" dirty="0"/>
           </a:p>
@@ -6560,7 +6560,7 @@
           <a:p>
             <a:fld id="{9334D819-9F07-4261-B09B-9E467E5D9002}" type="datetimeFigureOut">
               <a:rPr lang="en-US" dirty="0"/>
-              <a:t>8/19/2019</a:t>
+              <a:t>8/20/2019</a:t>
             </a:fld>
             <a:endParaRPr lang="en-US" dirty="0"/>
           </a:p>
@@ -6767,7 +6767,7 @@
           <a:p>
             <a:fld id="{9334D819-9F07-4261-B09B-9E467E5D9002}" type="datetimeFigureOut">
               <a:rPr lang="en-US" dirty="0"/>
-              <a:t>8/19/2019</a:t>
+              <a:t>8/20/2019</a:t>
             </a:fld>
             <a:endParaRPr lang="en-US" dirty="0"/>
           </a:p>
@@ -6964,7 +6964,7 @@
           <a:p>
             <a:fld id="{9334D819-9F07-4261-B09B-9E467E5D9002}" type="datetimeFigureOut">
               <a:rPr lang="en-US" dirty="0"/>
-              <a:t>8/19/2019</a:t>
+              <a:t>8/20/2019</a:t>
             </a:fld>
             <a:endParaRPr lang="en-US" dirty="0"/>
           </a:p>
@@ -7233,7 +7233,7 @@
             <a:fld id="{9334D819-9F07-4261-B09B-9E467E5D9002}" type="datetimeFigureOut">
               <a:rPr lang="en-US" dirty="0"/>
               <a:pPr/>
-              <a:t>8/19/2019</a:t>
+              <a:t>8/20/2019</a:t>
             </a:fld>
             <a:endParaRPr lang="en-US" dirty="0"/>
           </a:p>
@@ -8494,7 +8494,7 @@
           <a:p>
             <a:fld id="{9334D819-9F07-4261-B09B-9E467E5D9002}" type="datetimeFigureOut">
               <a:rPr lang="en-US" dirty="0"/>
-              <a:t>8/19/2019</a:t>
+              <a:t>8/20/2019</a:t>
             </a:fld>
             <a:endParaRPr lang="en-US" dirty="0"/>
           </a:p>
@@ -8943,7 +8943,7 @@
           <a:p>
             <a:fld id="{9334D819-9F07-4261-B09B-9E467E5D9002}" type="datetimeFigureOut">
               <a:rPr lang="en-US" dirty="0"/>
-              <a:t>8/19/2019</a:t>
+              <a:t>8/20/2019</a:t>
             </a:fld>
             <a:endParaRPr lang="en-US" dirty="0"/>
           </a:p>
@@ -9061,7 +9061,7 @@
           <a:p>
             <a:fld id="{9334D819-9F07-4261-B09B-9E467E5D9002}" type="datetimeFigureOut">
               <a:rPr lang="en-US" dirty="0"/>
-              <a:t>8/19/2019</a:t>
+              <a:t>8/20/2019</a:t>
             </a:fld>
             <a:endParaRPr lang="en-US" dirty="0"/>
           </a:p>
@@ -9151,7 +9151,7 @@
           <a:p>
             <a:fld id="{9334D819-9F07-4261-B09B-9E467E5D9002}" type="datetimeFigureOut">
               <a:rPr lang="en-US" dirty="0"/>
-              <a:t>8/19/2019</a:t>
+              <a:t>8/20/2019</a:t>
             </a:fld>
             <a:endParaRPr lang="en-US" dirty="0"/>
           </a:p>
@@ -9941,7 +9941,7 @@
           <a:p>
             <a:fld id="{9334D819-9F07-4261-B09B-9E467E5D9002}" type="datetimeFigureOut">
               <a:rPr lang="en-US" dirty="0"/>
-              <a:t>8/19/2019</a:t>
+              <a:t>8/20/2019</a:t>
             </a:fld>
             <a:endParaRPr lang="en-US" dirty="0"/>
           </a:p>
@@ -10776,7 +10776,7 @@
           <a:p>
             <a:fld id="{9334D819-9F07-4261-B09B-9E467E5D9002}" type="datetimeFigureOut">
               <a:rPr lang="en-US" dirty="0"/>
-              <a:t>8/19/2019</a:t>
+              <a:t>8/20/2019</a:t>
             </a:fld>
             <a:endParaRPr lang="en-US" dirty="0"/>
           </a:p>
@@ -11031,7 +11031,7 @@
             <a:fld id="{9334D819-9F07-4261-B09B-9E467E5D9002}" type="datetimeFigureOut">
               <a:rPr lang="en-US" dirty="0"/>
               <a:pPr/>
-              <a:t>8/19/2019</a:t>
+              <a:t>8/20/2019</a:t>
             </a:fld>
             <a:endParaRPr lang="en-US" dirty="0"/>
           </a:p>
@@ -12137,11 +12137,7 @@
           <a:p>
             <a:r>
               <a:rPr lang="ja-JP" altLang="en-US" dirty="0"/>
-              <a:t>作成するために</a:t>
-            </a:r>
-            <a:r>
-              <a:rPr lang="en-US" altLang="ja-JP" dirty="0"/>
-              <a:t>…</a:t>
+              <a:t>使ったもの</a:t>
             </a:r>
             <a:endParaRPr kumimoji="1" lang="ja-JP" altLang="en-US" dirty="0"/>
           </a:p>
@@ -12149,77 +12145,820 @@
       </p:sp>
       <p:sp>
         <p:nvSpPr>
-          <p:cNvPr id="3" name="コンテンツ プレースホルダー 2">
+          <p:cNvPr id="4" name="四角形: 角を丸くする 3">
             <a:extLst>
               <a:ext uri="{FF2B5EF4-FFF2-40B4-BE49-F238E27FC236}">
-                <a16:creationId xmlns:a16="http://schemas.microsoft.com/office/drawing/2014/main" id="{DBF55CD5-F385-4513-B3C6-B0437A71001B}"/>
+                <a16:creationId xmlns:a16="http://schemas.microsoft.com/office/drawing/2014/main" id="{7E72C794-16E8-46B2-9A2B-F95A89A08D4C}"/>
               </a:ext>
             </a:extLst>
           </p:cNvPr>
-          <p:cNvSpPr>
-            <a:spLocks noGrp="1"/>
-          </p:cNvSpPr>
-          <p:nvPr>
-            <p:ph idx="1"/>
-          </p:nvPr>
+          <p:cNvSpPr/>
+          <p:nvPr/>
         </p:nvSpPr>
         <p:spPr>
           <a:xfrm>
-            <a:off x="1251678" y="2013285"/>
-            <a:ext cx="10178322" cy="3593591"/>
+            <a:off x="927645" y="3951574"/>
+            <a:ext cx="7532683" cy="2582347"/>
           </a:xfrm>
+          <a:prstGeom prst="roundRect">
+            <a:avLst/>
+          </a:prstGeom>
+          <a:solidFill>
+            <a:schemeClr val="bg1">
+              <a:lumMod val="65000"/>
+              <a:lumOff val="35000"/>
+            </a:schemeClr>
+          </a:solidFill>
+          <a:ln>
+            <a:noFill/>
+          </a:ln>
+        </p:spPr>
+        <p:style>
+          <a:lnRef idx="2">
+            <a:schemeClr val="accent1">
+              <a:shade val="50000"/>
+            </a:schemeClr>
+          </a:lnRef>
+          <a:fillRef idx="1">
+            <a:schemeClr val="accent1"/>
+          </a:fillRef>
+          <a:effectRef idx="0">
+            <a:schemeClr val="accent1"/>
+          </a:effectRef>
+          <a:fontRef idx="minor">
+            <a:schemeClr val="lt1"/>
+          </a:fontRef>
+        </p:style>
+        <p:txBody>
+          <a:bodyPr rtlCol="0" anchor="ctr"/>
+          <a:lstStyle/>
+          <a:p>
+            <a:pPr algn="ctr"/>
+            <a:endParaRPr kumimoji="1" lang="ja-JP" altLang="en-US"/>
+          </a:p>
+        </p:txBody>
+      </p:sp>
+      <p:sp>
+        <p:nvSpPr>
+          <p:cNvPr id="5" name="四角形: 角を丸くする 4">
+            <a:extLst>
+              <a:ext uri="{FF2B5EF4-FFF2-40B4-BE49-F238E27FC236}">
+                <a16:creationId xmlns:a16="http://schemas.microsoft.com/office/drawing/2014/main" id="{552C0E7A-7EBB-449D-8E73-2B72FED36CD2}"/>
+              </a:ext>
+            </a:extLst>
+          </p:cNvPr>
+          <p:cNvSpPr/>
+          <p:nvPr/>
+        </p:nvSpPr>
+        <p:spPr>
+          <a:xfrm>
+            <a:off x="9009631" y="1509074"/>
+            <a:ext cx="2842441" cy="5220186"/>
+          </a:xfrm>
+          <a:prstGeom prst="roundRect">
+            <a:avLst/>
+          </a:prstGeom>
+          <a:solidFill>
+            <a:schemeClr val="bg1">
+              <a:lumMod val="65000"/>
+              <a:lumOff val="35000"/>
+            </a:schemeClr>
+          </a:solidFill>
+        </p:spPr>
+        <p:style>
+          <a:lnRef idx="2">
+            <a:schemeClr val="dk1">
+              <a:shade val="50000"/>
+            </a:schemeClr>
+          </a:lnRef>
+          <a:fillRef idx="1">
+            <a:schemeClr val="dk1"/>
+          </a:fillRef>
+          <a:effectRef idx="0">
+            <a:schemeClr val="dk1"/>
+          </a:effectRef>
+          <a:fontRef idx="minor">
+            <a:schemeClr val="lt1"/>
+          </a:fontRef>
+        </p:style>
+        <p:txBody>
+          <a:bodyPr rtlCol="0" anchor="ctr"/>
+          <a:lstStyle/>
+          <a:p>
+            <a:pPr algn="ctr"/>
+            <a:endParaRPr kumimoji="1" lang="ja-JP" altLang="en-US" dirty="0"/>
+          </a:p>
+        </p:txBody>
+      </p:sp>
+      <p:sp>
+        <p:nvSpPr>
+          <p:cNvPr id="6" name="四角形: 角を丸くする 5">
+            <a:extLst>
+              <a:ext uri="{FF2B5EF4-FFF2-40B4-BE49-F238E27FC236}">
+                <a16:creationId xmlns:a16="http://schemas.microsoft.com/office/drawing/2014/main" id="{DCAC3878-432A-4FED-9A78-F5EC8E81DAAA}"/>
+              </a:ext>
+            </a:extLst>
+          </p:cNvPr>
+          <p:cNvSpPr/>
+          <p:nvPr/>
+        </p:nvSpPr>
+        <p:spPr>
+          <a:xfrm>
+            <a:off x="927645" y="1500537"/>
+            <a:ext cx="7532683" cy="1592216"/>
+          </a:xfrm>
+          <a:prstGeom prst="roundRect">
+            <a:avLst/>
+          </a:prstGeom>
+          <a:solidFill>
+            <a:schemeClr val="bg1">
+              <a:lumMod val="65000"/>
+              <a:lumOff val="35000"/>
+            </a:schemeClr>
+          </a:solidFill>
+          <a:ln>
+            <a:noFill/>
+          </a:ln>
+        </p:spPr>
+        <p:style>
+          <a:lnRef idx="2">
+            <a:schemeClr val="accent1">
+              <a:shade val="50000"/>
+            </a:schemeClr>
+          </a:lnRef>
+          <a:fillRef idx="1">
+            <a:schemeClr val="accent1"/>
+          </a:fillRef>
+          <a:effectRef idx="0">
+            <a:schemeClr val="accent1"/>
+          </a:effectRef>
+          <a:fontRef idx="minor">
+            <a:schemeClr val="lt1"/>
+          </a:fontRef>
+        </p:style>
+        <p:txBody>
+          <a:bodyPr rtlCol="0" anchor="ctr"/>
+          <a:lstStyle/>
+          <a:p>
+            <a:pPr algn="ctr"/>
+            <a:endParaRPr kumimoji="1" lang="ja-JP" altLang="en-US" dirty="0">
+              <a:solidFill>
+                <a:schemeClr val="bg1"/>
+              </a:solidFill>
+            </a:endParaRPr>
+          </a:p>
+        </p:txBody>
+      </p:sp>
+      <p:pic>
+        <p:nvPicPr>
+          <p:cNvPr id="7" name="図 6">
+            <a:extLst>
+              <a:ext uri="{FF2B5EF4-FFF2-40B4-BE49-F238E27FC236}">
+                <a16:creationId xmlns:a16="http://schemas.microsoft.com/office/drawing/2014/main" id="{3EC9D15B-8D6F-4762-93E6-4D7F3F59BB19}"/>
+              </a:ext>
+            </a:extLst>
+          </p:cNvPr>
+          <p:cNvPicPr>
+            <a:picLocks noChangeAspect="1"/>
+          </p:cNvPicPr>
+          <p:nvPr/>
+        </p:nvPicPr>
+        <p:blipFill>
+          <a:blip r:embed="rId2"/>
+          <a:stretch>
+            <a:fillRect/>
+          </a:stretch>
+        </p:blipFill>
+        <p:spPr>
+          <a:xfrm>
+            <a:off x="10674652" y="2474270"/>
+            <a:ext cx="840430" cy="840430"/>
+          </a:xfrm>
+          <a:prstGeom prst="rect">
+            <a:avLst/>
+          </a:prstGeom>
+        </p:spPr>
+      </p:pic>
+      <p:pic>
+        <p:nvPicPr>
+          <p:cNvPr id="8" name="図 7">
+            <a:extLst>
+              <a:ext uri="{FF2B5EF4-FFF2-40B4-BE49-F238E27FC236}">
+                <a16:creationId xmlns:a16="http://schemas.microsoft.com/office/drawing/2014/main" id="{068D9C7C-3613-433C-B4A9-AD755B630B30}"/>
+              </a:ext>
+            </a:extLst>
+          </p:cNvPr>
+          <p:cNvPicPr>
+            <a:picLocks noChangeAspect="1"/>
+          </p:cNvPicPr>
+          <p:nvPr/>
+        </p:nvPicPr>
+        <p:blipFill>
+          <a:blip r:embed="rId3"/>
+          <a:stretch>
+            <a:fillRect/>
+          </a:stretch>
+        </p:blipFill>
+        <p:spPr>
+          <a:xfrm>
+            <a:off x="1099582" y="4571652"/>
+            <a:ext cx="1662929" cy="1814173"/>
+          </a:xfrm>
+          <a:prstGeom prst="rect">
+            <a:avLst/>
+          </a:prstGeom>
+        </p:spPr>
+      </p:pic>
+      <p:pic>
+        <p:nvPicPr>
+          <p:cNvPr id="9" name="図 8">
+            <a:extLst>
+              <a:ext uri="{FF2B5EF4-FFF2-40B4-BE49-F238E27FC236}">
+                <a16:creationId xmlns:a16="http://schemas.microsoft.com/office/drawing/2014/main" id="{B89C9A1B-124D-4AE3-9E10-1CA5F5EEEC50}"/>
+              </a:ext>
+            </a:extLst>
+          </p:cNvPr>
+          <p:cNvPicPr>
+            <a:picLocks noChangeAspect="1"/>
+          </p:cNvPicPr>
+          <p:nvPr/>
+        </p:nvPicPr>
+        <p:blipFill>
+          <a:blip r:embed="rId4"/>
+          <a:stretch>
+            <a:fillRect/>
+          </a:stretch>
+        </p:blipFill>
+        <p:spPr>
+          <a:xfrm>
+            <a:off x="9469984" y="2474270"/>
+            <a:ext cx="890547" cy="840430"/>
+          </a:xfrm>
+          <a:prstGeom prst="rect">
+            <a:avLst/>
+          </a:prstGeom>
+        </p:spPr>
+      </p:pic>
+      <p:sp>
+        <p:nvSpPr>
+          <p:cNvPr id="10" name="正方形/長方形 9">
+            <a:extLst>
+              <a:ext uri="{FF2B5EF4-FFF2-40B4-BE49-F238E27FC236}">
+                <a16:creationId xmlns:a16="http://schemas.microsoft.com/office/drawing/2014/main" id="{578B307B-1D6E-4863-A822-A23998891527}"/>
+              </a:ext>
+            </a:extLst>
+          </p:cNvPr>
+          <p:cNvSpPr/>
+          <p:nvPr/>
+        </p:nvSpPr>
+        <p:spPr>
+          <a:xfrm>
+            <a:off x="2905010" y="4571652"/>
+            <a:ext cx="1735209" cy="1814173"/>
+          </a:xfrm>
+          <a:prstGeom prst="rect">
+            <a:avLst/>
+          </a:prstGeom>
+          <a:solidFill>
+            <a:schemeClr val="tx1"/>
+          </a:solidFill>
+        </p:spPr>
+        <p:style>
+          <a:lnRef idx="2">
+            <a:schemeClr val="accent1">
+              <a:shade val="50000"/>
+            </a:schemeClr>
+          </a:lnRef>
+          <a:fillRef idx="1">
+            <a:schemeClr val="accent1"/>
+          </a:fillRef>
+          <a:effectRef idx="0">
+            <a:schemeClr val="accent1"/>
+          </a:effectRef>
+          <a:fontRef idx="minor">
+            <a:schemeClr val="lt1"/>
+          </a:fontRef>
+        </p:style>
+        <p:txBody>
+          <a:bodyPr rtlCol="0" anchor="ctr"/>
+          <a:lstStyle/>
+          <a:p>
+            <a:pPr algn="ctr"/>
+            <a:endParaRPr kumimoji="1" lang="en-US"/>
+          </a:p>
+        </p:txBody>
+      </p:sp>
+      <p:sp>
+        <p:nvSpPr>
+          <p:cNvPr id="11" name="正方形/長方形 10">
+            <a:extLst>
+              <a:ext uri="{FF2B5EF4-FFF2-40B4-BE49-F238E27FC236}">
+                <a16:creationId xmlns:a16="http://schemas.microsoft.com/office/drawing/2014/main" id="{506F0706-08A9-4F5B-9DE7-E1592F61594C}"/>
+              </a:ext>
+            </a:extLst>
+          </p:cNvPr>
+          <p:cNvSpPr/>
+          <p:nvPr/>
+        </p:nvSpPr>
+        <p:spPr>
+          <a:xfrm>
+            <a:off x="9387001" y="1882057"/>
+            <a:ext cx="1483740" cy="400110"/>
+          </a:xfrm>
+          <a:prstGeom prst="rect">
+            <a:avLst/>
+          </a:prstGeom>
+          <a:noFill/>
         </p:spPr>
         <p:txBody>
-          <a:bodyPr/>
+          <a:bodyPr wrap="square" lIns="91440" tIns="45720" rIns="91440" bIns="45720">
+            <a:spAutoFit/>
+          </a:bodyPr>
           <a:lstStyle/>
           <a:p>
-            <a:r>
-              <a:rPr lang="ja-JP" altLang="en-US" sz="2800" dirty="0"/>
-              <a:t>使用したソフトウェアや</a:t>
-            </a:r>
-            <a:endParaRPr lang="en-US" altLang="ja-JP" sz="2800" dirty="0"/>
-          </a:p>
-          <a:p>
-            <a:r>
-              <a:rPr lang="ja-JP" altLang="en-US" sz="2800" dirty="0"/>
-              <a:t>開発手順など</a:t>
-            </a:r>
-            <a:endParaRPr lang="en-US" altLang="ja-JP" sz="2800" dirty="0"/>
-          </a:p>
-          <a:p>
-            <a:r>
-              <a:rPr lang="ja-JP" altLang="en-US" sz="2800" dirty="0"/>
-              <a:t>私よくわかってないのでここの部分書けません</a:t>
-            </a:r>
-            <a:endParaRPr lang="en-US" altLang="ja-JP" sz="2800" dirty="0"/>
-          </a:p>
-          <a:p>
-            <a:r>
-              <a:rPr lang="ja-JP" altLang="en-US" sz="2800" dirty="0"/>
-              <a:t>この部分いらないなら</a:t>
-            </a:r>
-            <a:r>
-              <a:rPr lang="ja-JP" altLang="en-US" sz="2800" dirty="0" err="1"/>
-              <a:t>消すしあっても</a:t>
-            </a:r>
-            <a:r>
-              <a:rPr lang="ja-JP" altLang="en-US" sz="2800" dirty="0"/>
-              <a:t>いいなって感じだったら書くので</a:t>
-            </a:r>
-            <a:endParaRPr lang="en-US" altLang="ja-JP" sz="2800" dirty="0"/>
-          </a:p>
-          <a:p>
-            <a:r>
-              <a:rPr lang="ja-JP" altLang="en-US" sz="2800" dirty="0"/>
-              <a:t>教えてください</a:t>
-            </a:r>
-            <a:endParaRPr lang="en-US" altLang="ja-JP" sz="2800" dirty="0"/>
-          </a:p>
-          <a:p>
-            <a:endParaRPr lang="en-US" altLang="ja-JP" dirty="0"/>
+            <a:pPr algn="ctr"/>
+            <a:r>
+              <a:rPr lang="ja-JP" altLang="en-US" sz="2000" b="1" cap="none" spc="0" dirty="0">
+                <a:ln w="9525">
+                  <a:solidFill>
+                    <a:schemeClr val="bg1"/>
+                  </a:solidFill>
+                  <a:prstDash val="solid"/>
+                </a:ln>
+                <a:solidFill>
+                  <a:schemeClr val="tx1"/>
+                </a:solidFill>
+                <a:effectLst>
+                  <a:outerShdw blurRad="12700" dist="38100" dir="2700000" algn="tl" rotWithShape="0">
+                    <a:schemeClr val="bg1">
+                      <a:lumMod val="50000"/>
+                    </a:schemeClr>
+                  </a:outerShdw>
+                </a:effectLst>
+              </a:rPr>
+              <a:t>開発環境</a:t>
+            </a:r>
           </a:p>
         </p:txBody>
       </p:sp>
+      <p:sp>
+        <p:nvSpPr>
+          <p:cNvPr id="12" name="正方形/長方形 11">
+            <a:extLst>
+              <a:ext uri="{FF2B5EF4-FFF2-40B4-BE49-F238E27FC236}">
+                <a16:creationId xmlns:a16="http://schemas.microsoft.com/office/drawing/2014/main" id="{6C4DEBDA-78E4-4C61-81B1-CB0CC1428994}"/>
+              </a:ext>
+            </a:extLst>
+          </p:cNvPr>
+          <p:cNvSpPr/>
+          <p:nvPr/>
+        </p:nvSpPr>
+        <p:spPr>
+          <a:xfrm>
+            <a:off x="958575" y="1604147"/>
+            <a:ext cx="1396536" cy="461665"/>
+          </a:xfrm>
+          <a:prstGeom prst="rect">
+            <a:avLst/>
+          </a:prstGeom>
+          <a:noFill/>
+        </p:spPr>
+        <p:txBody>
+          <a:bodyPr wrap="none" lIns="91440" tIns="45720" rIns="91440" bIns="45720">
+            <a:spAutoFit/>
+          </a:bodyPr>
+          <a:lstStyle/>
+          <a:p>
+            <a:pPr algn="ctr"/>
+            <a:r>
+              <a:rPr lang="ja-JP" altLang="en-US" sz="2400" b="1" cap="none" spc="0" dirty="0">
+                <a:ln w="9525">
+                  <a:solidFill>
+                    <a:schemeClr val="bg1"/>
+                  </a:solidFill>
+                  <a:prstDash val="solid"/>
+                </a:ln>
+                <a:solidFill>
+                  <a:schemeClr val="tx1"/>
+                </a:solidFill>
+                <a:effectLst>
+                  <a:outerShdw blurRad="12700" dist="38100" dir="2700000" algn="tl" rotWithShape="0">
+                    <a:schemeClr val="bg1">
+                      <a:lumMod val="50000"/>
+                    </a:schemeClr>
+                  </a:outerShdw>
+                </a:effectLst>
+              </a:rPr>
+              <a:t>サーバー</a:t>
+            </a:r>
+          </a:p>
+        </p:txBody>
+      </p:sp>
+      <p:sp>
+        <p:nvSpPr>
+          <p:cNvPr id="13" name="正方形/長方形 12">
+            <a:extLst>
+              <a:ext uri="{FF2B5EF4-FFF2-40B4-BE49-F238E27FC236}">
+                <a16:creationId xmlns:a16="http://schemas.microsoft.com/office/drawing/2014/main" id="{BBC56909-1A85-4AC7-B08A-BFE21C619B28}"/>
+              </a:ext>
+            </a:extLst>
+          </p:cNvPr>
+          <p:cNvSpPr/>
+          <p:nvPr/>
+        </p:nvSpPr>
+        <p:spPr>
+          <a:xfrm>
+            <a:off x="1019695" y="4063203"/>
+            <a:ext cx="1383713" cy="461665"/>
+          </a:xfrm>
+          <a:prstGeom prst="rect">
+            <a:avLst/>
+          </a:prstGeom>
+          <a:noFill/>
+        </p:spPr>
+        <p:txBody>
+          <a:bodyPr wrap="none" lIns="91440" tIns="45720" rIns="91440" bIns="45720">
+            <a:spAutoFit/>
+          </a:bodyPr>
+          <a:lstStyle/>
+          <a:p>
+            <a:pPr algn="ctr"/>
+            <a:r>
+              <a:rPr lang="ja-JP" altLang="en-US" sz="2400" b="1" cap="none" spc="0" dirty="0">
+                <a:ln w="9525">
+                  <a:solidFill>
+                    <a:schemeClr val="bg1"/>
+                  </a:solidFill>
+                  <a:prstDash val="solid"/>
+                </a:ln>
+                <a:solidFill>
+                  <a:schemeClr val="tx1"/>
+                </a:solidFill>
+                <a:effectLst>
+                  <a:outerShdw blurRad="12700" dist="38100" dir="2700000" algn="tl" rotWithShape="0">
+                    <a:schemeClr val="bg1">
+                      <a:lumMod val="50000"/>
+                    </a:schemeClr>
+                  </a:outerShdw>
+                </a:effectLst>
+              </a:rPr>
+              <a:t>ユーザー</a:t>
+            </a:r>
+          </a:p>
+        </p:txBody>
+      </p:sp>
+      <p:sp>
+        <p:nvSpPr>
+          <p:cNvPr id="14" name="矢印: 下 13">
+            <a:extLst>
+              <a:ext uri="{FF2B5EF4-FFF2-40B4-BE49-F238E27FC236}">
+                <a16:creationId xmlns:a16="http://schemas.microsoft.com/office/drawing/2014/main" id="{222F138F-6DBB-4160-98E9-66D9B52FD209}"/>
+              </a:ext>
+            </a:extLst>
+          </p:cNvPr>
+          <p:cNvSpPr/>
+          <p:nvPr/>
+        </p:nvSpPr>
+        <p:spPr>
+          <a:xfrm>
+            <a:off x="4119315" y="3021435"/>
+            <a:ext cx="669871" cy="1301139"/>
+          </a:xfrm>
+          <a:prstGeom prst="downArrow">
+            <a:avLst>
+              <a:gd name="adj1" fmla="val 50000"/>
+              <a:gd name="adj2" fmla="val 107371"/>
+            </a:avLst>
+          </a:prstGeom>
+          <a:solidFill>
+            <a:srgbClr val="00B0F0"/>
+          </a:solidFill>
+          <a:ln>
+            <a:solidFill>
+              <a:schemeClr val="tx1"/>
+            </a:solidFill>
+          </a:ln>
+        </p:spPr>
+        <p:style>
+          <a:lnRef idx="2">
+            <a:schemeClr val="accent1">
+              <a:shade val="50000"/>
+            </a:schemeClr>
+          </a:lnRef>
+          <a:fillRef idx="1">
+            <a:schemeClr val="accent1"/>
+          </a:fillRef>
+          <a:effectRef idx="0">
+            <a:schemeClr val="accent1"/>
+          </a:effectRef>
+          <a:fontRef idx="minor">
+            <a:schemeClr val="lt1"/>
+          </a:fontRef>
+        </p:style>
+        <p:txBody>
+          <a:bodyPr rtlCol="0" anchor="ctr"/>
+          <a:lstStyle/>
+          <a:p>
+            <a:pPr algn="ctr"/>
+            <a:endParaRPr kumimoji="1" lang="ja-JP" altLang="en-US"/>
+          </a:p>
+        </p:txBody>
+      </p:sp>
+      <p:pic>
+        <p:nvPicPr>
+          <p:cNvPr id="16" name="図 15">
+            <a:extLst>
+              <a:ext uri="{FF2B5EF4-FFF2-40B4-BE49-F238E27FC236}">
+                <a16:creationId xmlns:a16="http://schemas.microsoft.com/office/drawing/2014/main" id="{1E087B6A-E5AA-4CCE-A827-522A8AFC2619}"/>
+              </a:ext>
+            </a:extLst>
+          </p:cNvPr>
+          <p:cNvPicPr>
+            <a:picLocks noChangeAspect="1"/>
+          </p:cNvPicPr>
+          <p:nvPr/>
+        </p:nvPicPr>
+        <p:blipFill>
+          <a:blip r:embed="rId5"/>
+          <a:stretch>
+            <a:fillRect/>
+          </a:stretch>
+        </p:blipFill>
+        <p:spPr>
+          <a:xfrm>
+            <a:off x="9438545" y="3642456"/>
+            <a:ext cx="953423" cy="953423"/>
+          </a:xfrm>
+          <a:prstGeom prst="rect">
+            <a:avLst/>
+          </a:prstGeom>
+        </p:spPr>
+      </p:pic>
+      <p:pic>
+        <p:nvPicPr>
+          <p:cNvPr id="17" name="図 16">
+            <a:extLst>
+              <a:ext uri="{FF2B5EF4-FFF2-40B4-BE49-F238E27FC236}">
+                <a16:creationId xmlns:a16="http://schemas.microsoft.com/office/drawing/2014/main" id="{EBF27126-BA8C-4D48-94A0-B9E8145C5E16}"/>
+              </a:ext>
+            </a:extLst>
+          </p:cNvPr>
+          <p:cNvPicPr>
+            <a:picLocks noChangeAspect="1"/>
+          </p:cNvPicPr>
+          <p:nvPr/>
+        </p:nvPicPr>
+        <p:blipFill>
+          <a:blip r:embed="rId6"/>
+          <a:stretch>
+            <a:fillRect/>
+          </a:stretch>
+        </p:blipFill>
+        <p:spPr>
+          <a:xfrm>
+            <a:off x="2515496" y="1791765"/>
+            <a:ext cx="1163252" cy="1163252"/>
+          </a:xfrm>
+          <a:prstGeom prst="rect">
+            <a:avLst/>
+          </a:prstGeom>
+        </p:spPr>
+      </p:pic>
+      <p:pic>
+        <p:nvPicPr>
+          <p:cNvPr id="18" name="図 17">
+            <a:extLst>
+              <a:ext uri="{FF2B5EF4-FFF2-40B4-BE49-F238E27FC236}">
+                <a16:creationId xmlns:a16="http://schemas.microsoft.com/office/drawing/2014/main" id="{50068147-AD23-47ED-B8D9-797318942C73}"/>
+              </a:ext>
+            </a:extLst>
+          </p:cNvPr>
+          <p:cNvPicPr>
+            <a:picLocks noChangeAspect="1"/>
+          </p:cNvPicPr>
+          <p:nvPr/>
+        </p:nvPicPr>
+        <p:blipFill>
+          <a:blip r:embed="rId7"/>
+          <a:stretch>
+            <a:fillRect/>
+          </a:stretch>
+        </p:blipFill>
+        <p:spPr>
+          <a:xfrm>
+            <a:off x="4837836" y="4556179"/>
+            <a:ext cx="1637991" cy="1814173"/>
+          </a:xfrm>
+          <a:prstGeom prst="rect">
+            <a:avLst/>
+          </a:prstGeom>
+        </p:spPr>
+      </p:pic>
+      <p:pic>
+        <p:nvPicPr>
+          <p:cNvPr id="19" name="コンテンツ プレースホルダー 5">
+            <a:extLst>
+              <a:ext uri="{FF2B5EF4-FFF2-40B4-BE49-F238E27FC236}">
+                <a16:creationId xmlns:a16="http://schemas.microsoft.com/office/drawing/2014/main" id="{EF3930AF-E403-4223-BF37-FCFC97CB49C6}"/>
+              </a:ext>
+            </a:extLst>
+          </p:cNvPr>
+          <p:cNvPicPr>
+            <a:picLocks noChangeAspect="1"/>
+          </p:cNvPicPr>
+          <p:nvPr/>
+        </p:nvPicPr>
+        <p:blipFill>
+          <a:blip r:embed="rId8"/>
+          <a:stretch>
+            <a:fillRect/>
+          </a:stretch>
+        </p:blipFill>
+        <p:spPr>
+          <a:xfrm>
+            <a:off x="2809324" y="4571652"/>
+            <a:ext cx="1926583" cy="1926583"/>
+          </a:xfrm>
+          <a:prstGeom prst="rect">
+            <a:avLst/>
+          </a:prstGeom>
+        </p:spPr>
+      </p:pic>
+      <p:sp>
+        <p:nvSpPr>
+          <p:cNvPr id="20" name="正方形/長方形 19">
+            <a:extLst>
+              <a:ext uri="{FF2B5EF4-FFF2-40B4-BE49-F238E27FC236}">
+                <a16:creationId xmlns:a16="http://schemas.microsoft.com/office/drawing/2014/main" id="{D2B112E5-B32A-453B-8EDB-B6E0983B584E}"/>
+              </a:ext>
+            </a:extLst>
+          </p:cNvPr>
+          <p:cNvSpPr/>
+          <p:nvPr/>
+        </p:nvSpPr>
+        <p:spPr>
+          <a:xfrm>
+            <a:off x="3988847" y="1791765"/>
+            <a:ext cx="1697978" cy="1081906"/>
+          </a:xfrm>
+          <a:prstGeom prst="rect">
+            <a:avLst/>
+          </a:prstGeom>
+          <a:solidFill>
+            <a:schemeClr val="tx1"/>
+          </a:solidFill>
+        </p:spPr>
+        <p:style>
+          <a:lnRef idx="2">
+            <a:schemeClr val="accent1">
+              <a:shade val="50000"/>
+            </a:schemeClr>
+          </a:lnRef>
+          <a:fillRef idx="1">
+            <a:schemeClr val="accent1"/>
+          </a:fillRef>
+          <a:effectRef idx="0">
+            <a:schemeClr val="accent1"/>
+          </a:effectRef>
+          <a:fontRef idx="minor">
+            <a:schemeClr val="lt1"/>
+          </a:fontRef>
+        </p:style>
+        <p:txBody>
+          <a:bodyPr rtlCol="0" anchor="ctr"/>
+          <a:lstStyle/>
+          <a:p>
+            <a:pPr algn="ctr"/>
+            <a:endParaRPr kumimoji="1" lang="en-US"/>
+          </a:p>
+        </p:txBody>
+      </p:sp>
+      <p:pic>
+        <p:nvPicPr>
+          <p:cNvPr id="21" name="図 20">
+            <a:extLst>
+              <a:ext uri="{FF2B5EF4-FFF2-40B4-BE49-F238E27FC236}">
+                <a16:creationId xmlns:a16="http://schemas.microsoft.com/office/drawing/2014/main" id="{489C8F5D-3998-4D4E-A166-D98B7FCF0BB3}"/>
+              </a:ext>
+            </a:extLst>
+          </p:cNvPr>
+          <p:cNvPicPr>
+            <a:picLocks noChangeAspect="1"/>
+          </p:cNvPicPr>
+          <p:nvPr/>
+        </p:nvPicPr>
+        <p:blipFill>
+          <a:blip r:embed="rId9"/>
+          <a:stretch>
+            <a:fillRect/>
+          </a:stretch>
+        </p:blipFill>
+        <p:spPr>
+          <a:xfrm>
+            <a:off x="4013393" y="1882058"/>
+            <a:ext cx="1551586" cy="1049084"/>
+          </a:xfrm>
+          <a:prstGeom prst="rect">
+            <a:avLst/>
+          </a:prstGeom>
+        </p:spPr>
+      </p:pic>
+      <p:sp>
+        <p:nvSpPr>
+          <p:cNvPr id="22" name="正方形/長方形 21">
+            <a:extLst>
+              <a:ext uri="{FF2B5EF4-FFF2-40B4-BE49-F238E27FC236}">
+                <a16:creationId xmlns:a16="http://schemas.microsoft.com/office/drawing/2014/main" id="{6111AA51-4D16-4BA6-9F33-9E199E5321CF}"/>
+              </a:ext>
+            </a:extLst>
+          </p:cNvPr>
+          <p:cNvSpPr/>
+          <p:nvPr/>
+        </p:nvSpPr>
+        <p:spPr>
+          <a:xfrm>
+            <a:off x="10677654" y="3682560"/>
+            <a:ext cx="936085" cy="912282"/>
+          </a:xfrm>
+          <a:prstGeom prst="rect">
+            <a:avLst/>
+          </a:prstGeom>
+          <a:solidFill>
+            <a:schemeClr val="tx1"/>
+          </a:solidFill>
+        </p:spPr>
+        <p:style>
+          <a:lnRef idx="2">
+            <a:schemeClr val="accent1">
+              <a:shade val="50000"/>
+            </a:schemeClr>
+          </a:lnRef>
+          <a:fillRef idx="1">
+            <a:schemeClr val="accent1"/>
+          </a:fillRef>
+          <a:effectRef idx="0">
+            <a:schemeClr val="accent1"/>
+          </a:effectRef>
+          <a:fontRef idx="minor">
+            <a:schemeClr val="lt1"/>
+          </a:fontRef>
+        </p:style>
+        <p:txBody>
+          <a:bodyPr rtlCol="0" anchor="ctr"/>
+          <a:lstStyle/>
+          <a:p>
+            <a:pPr algn="ctr"/>
+            <a:endParaRPr kumimoji="1" lang="en-US"/>
+          </a:p>
+        </p:txBody>
+      </p:sp>
+      <p:pic>
+        <p:nvPicPr>
+          <p:cNvPr id="23" name="Picture 2" descr="ãgit ã­ã´ãã®ç»åæ¤ç´¢çµæ">
+            <a:extLst>
+              <a:ext uri="{FF2B5EF4-FFF2-40B4-BE49-F238E27FC236}">
+                <a16:creationId xmlns:a16="http://schemas.microsoft.com/office/drawing/2014/main" id="{5B0B9FEB-E759-4556-B6CA-E785FC781635}"/>
+              </a:ext>
+            </a:extLst>
+          </p:cNvPr>
+          <p:cNvPicPr>
+            <a:picLocks noChangeAspect="1" noChangeArrowheads="1"/>
+          </p:cNvPicPr>
+          <p:nvPr/>
+        </p:nvPicPr>
+        <p:blipFill>
+          <a:blip r:embed="rId10">
+            <a:extLst>
+              <a:ext uri="{28A0092B-C50C-407E-A947-70E740481C1C}">
+                <a14:useLocalDpi xmlns:a14="http://schemas.microsoft.com/office/drawing/2010/main" val="0"/>
+              </a:ext>
+            </a:extLst>
+          </a:blip>
+          <a:srcRect/>
+          <a:stretch>
+            <a:fillRect/>
+          </a:stretch>
+        </p:blipFill>
+        <p:spPr bwMode="auto">
+          <a:xfrm>
+            <a:off x="10764345" y="3818402"/>
+            <a:ext cx="715350" cy="706466"/>
+          </a:xfrm>
+          <a:prstGeom prst="rect">
+            <a:avLst/>
+          </a:prstGeom>
+          <a:noFill/>
+          <a:extLst>
+            <a:ext uri="{909E8E84-426E-40DD-AFC4-6F175D3DCCD1}">
+              <a14:hiddenFill xmlns:a14="http://schemas.microsoft.com/office/drawing/2010/main">
+                <a:solidFill>
+                  <a:srgbClr val="FFFFFF"/>
+                </a:solidFill>
+              </a14:hiddenFill>
+            </a:ext>
+          </a:extLst>
+        </p:spPr>
+      </p:pic>
     </p:spTree>
     <p:extLst>
       <p:ext uri="{BB962C8B-B14F-4D97-AF65-F5344CB8AC3E}">

--- a/Hack U　プレゼン資料.pptx
+++ b/Hack U　プレゼン資料.pptx
@@ -18,7 +18,7 @@
     <p:sldId id="273" r:id="rId9"/>
     <p:sldId id="260" r:id="rId10"/>
     <p:sldId id="266" r:id="rId11"/>
-    <p:sldId id="274" r:id="rId12"/>
+    <p:sldId id="277" r:id="rId12"/>
   </p:sldIdLst>
   <p:sldSz cx="12192000" cy="6858000"/>
   <p:notesSz cx="6858000" cy="9144000"/>
@@ -333,13 +333,13 @@
                 <c:formatCode>General</c:formatCode>
                 <c:ptCount val="3"/>
                 <c:pt idx="0">
-                  <c:v>33.299999999999997</c:v>
+                  <c:v>32.799999999999997</c:v>
                 </c:pt>
                 <c:pt idx="1">
-                  <c:v>51.2</c:v>
+                  <c:v>51.6</c:v>
                 </c:pt>
                 <c:pt idx="2">
-                  <c:v>15.5</c:v>
+                  <c:v>15.6</c:v>
                 </c:pt>
               </c:numCache>
             </c:numRef>
@@ -376,10 +376,10 @@
         <c:manualLayout>
           <c:xMode val="edge"/>
           <c:yMode val="edge"/>
-          <c:x val="0.64761193422889751"/>
-          <c:y val="0.32872456802411604"/>
-          <c:w val="0.24267938256573557"/>
-          <c:h val="0.34887354164183804"/>
+          <c:x val="0.61663671591467839"/>
+          <c:y val="0.28161018414996142"/>
+          <c:w val="0.3263122234189515"/>
+          <c:h val="0.47843839571443608"/>
         </c:manualLayout>
       </c:layout>
       <c:overlay val="0"/>
@@ -395,12 +395,9 @@
         <a:lstStyle/>
         <a:p>
           <a:pPr>
-            <a:defRPr sz="1197" b="0" i="0" u="none" strike="noStrike" kern="1200" baseline="0">
+            <a:defRPr sz="1600" b="0" i="0" u="none" strike="noStrike" kern="1200" baseline="0">
               <a:solidFill>
-                <a:schemeClr val="tx1">
-                  <a:lumMod val="65000"/>
-                  <a:lumOff val="35000"/>
-                </a:schemeClr>
+                <a:schemeClr val="tx1"/>
               </a:solidFill>
               <a:latin typeface="+mn-lt"/>
               <a:ea typeface="+mn-ea"/>
@@ -692,6 +689,16 @@
     </c:plotArea>
     <c:legend>
       <c:legendPos val="r"/>
+      <c:layout>
+        <c:manualLayout>
+          <c:xMode val="edge"/>
+          <c:yMode val="edge"/>
+          <c:x val="0.62326356055402321"/>
+          <c:y val="0.25279245477858286"/>
+          <c:w val="0.37673643944597679"/>
+          <c:h val="0.48320555406248056"/>
+        </c:manualLayout>
+      </c:layout>
       <c:overlay val="0"/>
       <c:spPr>
         <a:noFill/>
@@ -705,12 +712,9 @@
         <a:lstStyle/>
         <a:p>
           <a:pPr>
-            <a:defRPr sz="1197" b="0" i="0" u="none" strike="noStrike" kern="1200" baseline="0">
+            <a:defRPr sz="1600" b="0" i="0" u="none" strike="noStrike" kern="1200" baseline="0">
               <a:solidFill>
-                <a:schemeClr val="tx1">
-                  <a:lumMod val="65000"/>
-                  <a:lumOff val="35000"/>
-                </a:schemeClr>
+                <a:schemeClr val="tx1"/>
               </a:solidFill>
               <a:latin typeface="+mn-lt"/>
               <a:ea typeface="+mn-ea"/>
@@ -1016,10 +1020,10 @@
         <c:manualLayout>
           <c:xMode val="edge"/>
           <c:yMode val="edge"/>
-          <c:x val="0.66850288250743672"/>
-          <c:y val="0.33265981582810622"/>
-          <c:w val="0.26514608868608119"/>
-          <c:h val="0.33468036834378756"/>
+          <c:x val="0.62112314171417971"/>
+          <c:y val="0.25921348814449041"/>
+          <c:w val="0.37887685828582029"/>
+          <c:h val="0.4250758485697762"/>
         </c:manualLayout>
       </c:layout>
       <c:overlay val="0"/>
@@ -1035,12 +1039,9 @@
         <a:lstStyle/>
         <a:p>
           <a:pPr>
-            <a:defRPr sz="1197" b="0" i="0" u="none" strike="noStrike" kern="1200" baseline="0">
+            <a:defRPr sz="1600" b="0" i="0" u="none" strike="noStrike" kern="1200" baseline="0">
               <a:solidFill>
-                <a:schemeClr val="tx1">
-                  <a:lumMod val="65000"/>
-                  <a:lumOff val="35000"/>
-                </a:schemeClr>
+                <a:schemeClr val="tx1"/>
               </a:solidFill>
               <a:latin typeface="+mn-lt"/>
               <a:ea typeface="+mn-ea"/>
@@ -1375,6 +1376,16 @@
     </c:plotArea>
     <c:legend>
       <c:legendPos val="r"/>
+      <c:layout>
+        <c:manualLayout>
+          <c:xMode val="edge"/>
+          <c:yMode val="edge"/>
+          <c:x val="0.54564182573153586"/>
+          <c:y val="0.25810007620015241"/>
+          <c:w val="0.44197427333967154"/>
+          <c:h val="0.50684132225407308"/>
+        </c:manualLayout>
+      </c:layout>
       <c:overlay val="0"/>
       <c:spPr>
         <a:noFill/>
@@ -1388,12 +1399,9 @@
         <a:lstStyle/>
         <a:p>
           <a:pPr>
-            <a:defRPr sz="1197" b="0" i="0" u="none" strike="noStrike" kern="1200" baseline="0">
+            <a:defRPr sz="1600" b="0" i="0" u="none" strike="noStrike" kern="1200" baseline="0">
               <a:solidFill>
-                <a:schemeClr val="tx1">
-                  <a:lumMod val="65000"/>
-                  <a:lumOff val="35000"/>
-                </a:schemeClr>
+                <a:schemeClr val="tx1"/>
               </a:solidFill>
               <a:latin typeface="+mn-lt"/>
               <a:ea typeface="+mn-ea"/>
@@ -1689,10 +1697,10 @@
         <c:manualLayout>
           <c:xMode val="edge"/>
           <c:yMode val="edge"/>
-          <c:x val="0.66280741772617158"/>
-          <c:y val="0.28338743896081314"/>
-          <c:w val="0.25642009408509803"/>
-          <c:h val="0.42491244135010936"/>
+          <c:x val="0.50030554202306166"/>
+          <c:y val="0.31844195114242863"/>
+          <c:w val="0.49753869419625635"/>
+          <c:h val="0.42053062732740742"/>
         </c:manualLayout>
       </c:layout>
       <c:overlay val="0"/>
@@ -1708,12 +1716,9 @@
         <a:lstStyle/>
         <a:p>
           <a:pPr>
-            <a:defRPr sz="1197" b="0" i="0" u="none" strike="noStrike" kern="1200" baseline="0">
+            <a:defRPr sz="1600" b="0" i="0" u="none" strike="noStrike" kern="1200" baseline="0">
               <a:solidFill>
-                <a:schemeClr val="tx1">
-                  <a:lumMod val="65000"/>
-                  <a:lumOff val="35000"/>
-                </a:schemeClr>
+                <a:schemeClr val="tx1"/>
               </a:solidFill>
               <a:latin typeface="+mn-lt"/>
               <a:ea typeface="+mn-ea"/>
@@ -12994,7 +12999,7 @@
           <p:cNvPr id="2" name="タイトル 1">
             <a:extLst>
               <a:ext uri="{FF2B5EF4-FFF2-40B4-BE49-F238E27FC236}">
-                <a16:creationId xmlns:a16="http://schemas.microsoft.com/office/drawing/2014/main" id="{022956F3-9ACB-4300-9342-124D5A34E1D5}"/>
+                <a16:creationId xmlns:a16="http://schemas.microsoft.com/office/drawing/2014/main" id="{2AEB54A8-357D-4100-BDEC-416EEE4AD5E5}"/>
               </a:ext>
             </a:extLst>
           </p:cNvPr>
@@ -13007,31 +13012,31 @@
         </p:nvSpPr>
         <p:spPr>
           <a:xfrm>
-            <a:off x="3411605" y="1396686"/>
-            <a:ext cx="8187071" cy="4064627"/>
+            <a:off x="1250679" y="2387601"/>
+            <a:ext cx="10178322" cy="3220720"/>
           </a:xfrm>
         </p:spPr>
         <p:txBody>
           <a:bodyPr>
-            <a:noAutofit/>
+            <a:normAutofit/>
           </a:bodyPr>
           <a:lstStyle/>
           <a:p>
             <a:r>
-              <a:rPr lang="ja-JP" altLang="en-US" sz="4800" dirty="0"/>
+              <a:rPr lang="ja-JP" altLang="en-US" sz="5400" dirty="0"/>
               <a:t>毎日の少しの時間で分析できるのは、時間のない大学生や就活生にとって魅力的かつ効率的</a:t>
             </a:r>
             <a:br>
-              <a:rPr lang="en-US" altLang="ja-JP" sz="4800" dirty="0"/>
+              <a:rPr lang="en-US" altLang="ja-JP" sz="5400" dirty="0"/>
             </a:br>
-            <a:endParaRPr kumimoji="1" lang="ja-JP" altLang="en-US" sz="4800" dirty="0"/>
+            <a:endParaRPr kumimoji="1" lang="ja-JP" altLang="en-US" dirty="0"/>
           </a:p>
         </p:txBody>
       </p:sp>
     </p:spTree>
     <p:extLst>
       <p:ext uri="{BB962C8B-B14F-4D97-AF65-F5344CB8AC3E}">
-        <p14:creationId xmlns:p14="http://schemas.microsoft.com/office/powerpoint/2010/main" val="3782957669"/>
+        <p14:creationId xmlns:p14="http://schemas.microsoft.com/office/powerpoint/2010/main" val="442969330"/>
       </p:ext>
     </p:extLst>
   </p:cSld>
@@ -13204,107 +13209,203 @@
           <a:lstStyle/>
           <a:p>
             <a:r>
-              <a:rPr kumimoji="1" lang="en-US" altLang="ja-JP" sz="3200" dirty="0"/>
+              <a:rPr kumimoji="1" lang="en-US" altLang="ja-JP" sz="3200" dirty="0">
+                <a:solidFill>
+                  <a:schemeClr val="tx1"/>
+                </a:solidFill>
+              </a:rPr>
               <a:t>STAR</a:t>
             </a:r>
             <a:r>
-              <a:rPr kumimoji="1" lang="ja-JP" altLang="en-US" sz="3200" dirty="0"/>
+              <a:rPr kumimoji="1" lang="ja-JP" altLang="en-US" sz="3200" dirty="0">
+                <a:solidFill>
+                  <a:schemeClr val="tx1"/>
+                </a:solidFill>
+              </a:rPr>
               <a:t>（</a:t>
             </a:r>
             <a:r>
-              <a:rPr kumimoji="1" lang="en-US" altLang="ja-JP" sz="3200" dirty="0"/>
+              <a:rPr kumimoji="1" lang="en-US" altLang="ja-JP" sz="3200" dirty="0">
+                <a:solidFill>
+                  <a:schemeClr val="tx1"/>
+                </a:solidFill>
+              </a:rPr>
               <a:t>Situation Theme Action Result</a:t>
             </a:r>
             <a:r>
-              <a:rPr kumimoji="1" lang="ja-JP" altLang="en-US" sz="3200" dirty="0"/>
+              <a:rPr kumimoji="1" lang="ja-JP" altLang="en-US" sz="3200" dirty="0">
+                <a:solidFill>
+                  <a:schemeClr val="tx1"/>
+                </a:solidFill>
+              </a:rPr>
               <a:t>）とは</a:t>
             </a:r>
-            <a:endParaRPr kumimoji="1" lang="en-US" altLang="ja-JP" sz="3200" dirty="0"/>
-          </a:p>
-          <a:p>
-            <a:endParaRPr kumimoji="1" lang="en-US" altLang="ja-JP" sz="1100" dirty="0"/>
+            <a:endParaRPr kumimoji="1" lang="en-US" altLang="ja-JP" sz="3200" dirty="0">
+              <a:solidFill>
+                <a:schemeClr val="tx1"/>
+              </a:solidFill>
+            </a:endParaRPr>
+          </a:p>
+          <a:p>
+            <a:endParaRPr kumimoji="1" lang="en-US" altLang="ja-JP" sz="1100" dirty="0">
+              <a:solidFill>
+                <a:schemeClr val="tx1"/>
+              </a:solidFill>
+            </a:endParaRPr>
           </a:p>
           <a:p>
             <a:pPr marL="0" indent="0">
               <a:buNone/>
             </a:pPr>
             <a:r>
-              <a:rPr lang="ja-JP" altLang="en-US" sz="2800" dirty="0"/>
+              <a:rPr lang="ja-JP" altLang="en-US" sz="2800" dirty="0">
+                <a:solidFill>
+                  <a:schemeClr val="tx1"/>
+                </a:solidFill>
+              </a:rPr>
               <a:t>　</a:t>
             </a:r>
             <a:r>
-              <a:rPr lang="en-US" altLang="ja-JP" sz="2800" dirty="0"/>
+              <a:rPr lang="en-US" altLang="ja-JP" sz="2800" dirty="0">
+                <a:solidFill>
+                  <a:schemeClr val="tx1"/>
+                </a:solidFill>
+              </a:rPr>
               <a:t>(S)</a:t>
             </a:r>
             <a:r>
-              <a:rPr lang="ja-JP" altLang="en-US" sz="2800" dirty="0"/>
+              <a:rPr lang="ja-JP" altLang="en-US" sz="2800" dirty="0">
+                <a:solidFill>
+                  <a:schemeClr val="tx1"/>
+                </a:solidFill>
+              </a:rPr>
               <a:t>過去のどういう状況下</a:t>
             </a:r>
-            <a:endParaRPr lang="en-US" altLang="ja-JP" sz="2800" dirty="0"/>
+            <a:endParaRPr lang="en-US" altLang="ja-JP" sz="2800" dirty="0">
+              <a:solidFill>
+                <a:schemeClr val="tx1"/>
+              </a:solidFill>
+            </a:endParaRPr>
           </a:p>
           <a:p>
             <a:pPr marL="0" indent="0">
               <a:buNone/>
             </a:pPr>
             <a:r>
-              <a:rPr lang="ja-JP" altLang="en-US" sz="2800" dirty="0"/>
+              <a:rPr lang="ja-JP" altLang="en-US" sz="2800" dirty="0">
+                <a:solidFill>
+                  <a:schemeClr val="tx1"/>
+                </a:solidFill>
+              </a:rPr>
               <a:t>　</a:t>
             </a:r>
             <a:r>
-              <a:rPr lang="en-US" altLang="ja-JP" sz="2800" dirty="0"/>
+              <a:rPr lang="en-US" altLang="ja-JP" sz="2800" dirty="0">
+                <a:solidFill>
+                  <a:schemeClr val="tx1"/>
+                </a:solidFill>
+              </a:rPr>
               <a:t>(T)</a:t>
             </a:r>
             <a:r>
-              <a:rPr lang="ja-JP" altLang="en-US" sz="2800" dirty="0"/>
+              <a:rPr lang="ja-JP" altLang="en-US" sz="2800" dirty="0">
+                <a:solidFill>
+                  <a:schemeClr val="tx1"/>
+                </a:solidFill>
+              </a:rPr>
               <a:t>どんな行動テーマを見つけたか</a:t>
             </a:r>
-            <a:endParaRPr lang="en-US" altLang="ja-JP" sz="2800" dirty="0"/>
+            <a:endParaRPr lang="en-US" altLang="ja-JP" sz="2800" dirty="0">
+              <a:solidFill>
+                <a:schemeClr val="tx1"/>
+              </a:solidFill>
+            </a:endParaRPr>
           </a:p>
           <a:p>
             <a:pPr marL="0" indent="0">
               <a:buNone/>
             </a:pPr>
             <a:r>
-              <a:rPr lang="ja-JP" altLang="en-US" sz="2800" dirty="0"/>
+              <a:rPr lang="ja-JP" altLang="en-US" sz="2800" dirty="0">
+                <a:solidFill>
+                  <a:schemeClr val="tx1"/>
+                </a:solidFill>
+              </a:rPr>
               <a:t>　</a:t>
             </a:r>
             <a:r>
-              <a:rPr lang="en-US" altLang="ja-JP" sz="2800" dirty="0"/>
+              <a:rPr lang="en-US" altLang="ja-JP" sz="2800" dirty="0">
+                <a:solidFill>
+                  <a:schemeClr val="tx1"/>
+                </a:solidFill>
+              </a:rPr>
               <a:t>(A)</a:t>
             </a:r>
             <a:r>
-              <a:rPr lang="ja-JP" altLang="en-US" sz="2800" dirty="0"/>
+              <a:rPr lang="ja-JP" altLang="en-US" sz="2800" dirty="0">
+                <a:solidFill>
+                  <a:schemeClr val="tx1"/>
+                </a:solidFill>
+              </a:rPr>
               <a:t>具体的にどう行動したか</a:t>
             </a:r>
-            <a:endParaRPr lang="en-US" altLang="ja-JP" sz="2800" dirty="0"/>
+            <a:endParaRPr lang="en-US" altLang="ja-JP" sz="2800" dirty="0">
+              <a:solidFill>
+                <a:schemeClr val="tx1"/>
+              </a:solidFill>
+            </a:endParaRPr>
           </a:p>
           <a:p>
             <a:pPr marL="0" indent="0">
               <a:buNone/>
             </a:pPr>
             <a:r>
-              <a:rPr lang="ja-JP" altLang="en-US" sz="2800" dirty="0"/>
+              <a:rPr lang="ja-JP" altLang="en-US" sz="2800" dirty="0">
+                <a:solidFill>
+                  <a:schemeClr val="tx1"/>
+                </a:solidFill>
+              </a:rPr>
               <a:t>　</a:t>
             </a:r>
             <a:r>
-              <a:rPr lang="en-US" altLang="ja-JP" sz="2800" dirty="0"/>
+              <a:rPr lang="en-US" altLang="ja-JP" sz="2800" dirty="0">
+                <a:solidFill>
+                  <a:schemeClr val="tx1"/>
+                </a:solidFill>
+              </a:rPr>
               <a:t>(R)</a:t>
             </a:r>
             <a:r>
-              <a:rPr lang="ja-JP" altLang="en-US" sz="2800" dirty="0"/>
+              <a:rPr lang="ja-JP" altLang="en-US" sz="2800" dirty="0">
+                <a:solidFill>
+                  <a:schemeClr val="tx1"/>
+                </a:solidFill>
+              </a:rPr>
               <a:t>どのような結果になったか</a:t>
             </a:r>
-            <a:endParaRPr lang="en-US" altLang="ja-JP" sz="2800" dirty="0"/>
+            <a:endParaRPr lang="en-US" altLang="ja-JP" sz="2800" dirty="0">
+              <a:solidFill>
+                <a:schemeClr val="tx1"/>
+              </a:solidFill>
+            </a:endParaRPr>
           </a:p>
           <a:p>
             <a:pPr marL="0" indent="0">
               <a:buNone/>
             </a:pPr>
             <a:r>
-              <a:rPr lang="ja-JP" altLang="en-US" sz="2800" dirty="0"/>
+              <a:rPr lang="ja-JP" altLang="en-US" sz="2800" dirty="0">
+                <a:solidFill>
+                  <a:schemeClr val="tx1"/>
+                </a:solidFill>
+              </a:rPr>
               <a:t>　の情報をもとに将来の行動を予測する方法</a:t>
             </a:r>
-            <a:endParaRPr lang="en-US" altLang="ja-JP" sz="2800" dirty="0"/>
+            <a:endParaRPr lang="en-US" altLang="ja-JP" sz="2800" dirty="0">
+              <a:solidFill>
+                <a:schemeClr val="tx1"/>
+              </a:solidFill>
+            </a:endParaRPr>
           </a:p>
           <a:p>
             <a:pPr marL="0" indent="0">
@@ -14342,7 +14443,7 @@
           <p:nvPr>
             <p:extLst>
               <p:ext uri="{D42A27DB-BD31-4B8C-83A1-F6EECF244321}">
-                <p14:modId xmlns:p14="http://schemas.microsoft.com/office/powerpoint/2010/main" val="2410069037"/>
+                <p14:modId xmlns:p14="http://schemas.microsoft.com/office/powerpoint/2010/main" val="1703381618"/>
               </p:ext>
             </p:extLst>
           </p:nvPr>
@@ -14373,13 +14474,13 @@
             <p:ph sz="half" idx="2"/>
             <p:extLst>
               <p:ext uri="{D42A27DB-BD31-4B8C-83A1-F6EECF244321}">
-                <p14:modId xmlns:p14="http://schemas.microsoft.com/office/powerpoint/2010/main" val="1610014883"/>
+                <p14:modId xmlns:p14="http://schemas.microsoft.com/office/powerpoint/2010/main" val="2473663493"/>
               </p:ext>
             </p:extLst>
           </p:nvPr>
         </p:nvGraphicFramePr>
         <p:xfrm>
-          <a:off x="7297860" y="2717467"/>
+          <a:off x="7256846" y="2810824"/>
           <a:ext cx="3664323" cy="2266017"/>
         </p:xfrm>
         <a:graphic>
@@ -14404,13 +14505,13 @@
             <p:ph sz="half" idx="1"/>
             <p:extLst>
               <p:ext uri="{D42A27DB-BD31-4B8C-83A1-F6EECF244321}">
-                <p14:modId xmlns:p14="http://schemas.microsoft.com/office/powerpoint/2010/main" val="1107286847"/>
+                <p14:modId xmlns:p14="http://schemas.microsoft.com/office/powerpoint/2010/main" val="2981775586"/>
               </p:ext>
             </p:extLst>
           </p:nvPr>
         </p:nvGraphicFramePr>
         <p:xfrm>
-          <a:off x="7374060" y="4753238"/>
+          <a:off x="7256846" y="4753238"/>
           <a:ext cx="3752652" cy="2247900"/>
         </p:xfrm>
         <a:graphic>
@@ -14606,13 +14707,13 @@
             <p:ph sz="half" idx="1"/>
             <p:extLst>
               <p:ext uri="{D42A27DB-BD31-4B8C-83A1-F6EECF244321}">
-                <p14:modId xmlns:p14="http://schemas.microsoft.com/office/powerpoint/2010/main" val="211830052"/>
+                <p14:modId xmlns:p14="http://schemas.microsoft.com/office/powerpoint/2010/main" val="3773688314"/>
               </p:ext>
             </p:extLst>
           </p:nvPr>
         </p:nvGraphicFramePr>
         <p:xfrm>
-          <a:off x="5825397" y="1128451"/>
+          <a:off x="5825397" y="1090090"/>
           <a:ext cx="6153150" cy="2755900"/>
         </p:xfrm>
         <a:graphic>
@@ -14637,14 +14738,14 @@
             <p:ph sz="half" idx="2"/>
             <p:extLst>
               <p:ext uri="{D42A27DB-BD31-4B8C-83A1-F6EECF244321}">
-                <p14:modId xmlns:p14="http://schemas.microsoft.com/office/powerpoint/2010/main" val="585741210"/>
+                <p14:modId xmlns:p14="http://schemas.microsoft.com/office/powerpoint/2010/main" val="3935229984"/>
               </p:ext>
             </p:extLst>
           </p:nvPr>
         </p:nvGraphicFramePr>
         <p:xfrm>
           <a:off x="5955390" y="3664382"/>
-          <a:ext cx="5702664" cy="2898343"/>
+          <a:ext cx="5891170" cy="2898343"/>
         </p:xfrm>
         <a:graphic>
           <a:graphicData uri="http://schemas.openxmlformats.org/drawingml/2006/chart">
@@ -15123,71 +15224,131 @@
           <a:lstStyle/>
           <a:p>
             <a:r>
-              <a:rPr kumimoji="1" lang="ja-JP" altLang="en-US" sz="2800" dirty="0"/>
+              <a:rPr kumimoji="1" lang="ja-JP" altLang="en-US" sz="2800" dirty="0">
+                <a:solidFill>
+                  <a:schemeClr val="tx1"/>
+                </a:solidFill>
+              </a:rPr>
               <a:t>毎日質問に答えるだけで、質問の</a:t>
             </a:r>
             <a:r>
-              <a:rPr lang="ja-JP" altLang="en-US" sz="2800" dirty="0"/>
+              <a:rPr lang="ja-JP" altLang="en-US" sz="2800" dirty="0">
+                <a:solidFill>
+                  <a:schemeClr val="tx1"/>
+                </a:solidFill>
+              </a:rPr>
               <a:t>回答を集計し数値化してグラフにするツール。</a:t>
             </a:r>
-            <a:endParaRPr kumimoji="1" lang="en-US" altLang="ja-JP" sz="2800" dirty="0"/>
+            <a:endParaRPr kumimoji="1" lang="en-US" altLang="ja-JP" sz="2800" dirty="0">
+              <a:solidFill>
+                <a:schemeClr val="tx1"/>
+              </a:solidFill>
+            </a:endParaRPr>
           </a:p>
           <a:p>
             <a:pPr marL="0" indent="0">
               <a:buNone/>
             </a:pPr>
             <a:r>
-              <a:rPr lang="ja-JP" altLang="en-US" sz="2800" dirty="0"/>
+              <a:rPr lang="ja-JP" altLang="en-US" sz="2800" dirty="0">
+                <a:solidFill>
+                  <a:schemeClr val="tx1"/>
+                </a:solidFill>
+              </a:rPr>
               <a:t>　→　</a:t>
             </a:r>
             <a:r>
-              <a:rPr kumimoji="1" lang="ja-JP" altLang="en-US" sz="2800" dirty="0"/>
+              <a:rPr kumimoji="1" lang="ja-JP" altLang="en-US" sz="2800" dirty="0">
+                <a:solidFill>
+                  <a:schemeClr val="tx1"/>
+                </a:solidFill>
+              </a:rPr>
               <a:t>グラフにより可視化することによって、自分の強みや弱</a:t>
             </a:r>
-            <a:endParaRPr kumimoji="1" lang="en-US" altLang="ja-JP" sz="2800" dirty="0"/>
+            <a:endParaRPr kumimoji="1" lang="en-US" altLang="ja-JP" sz="2800" dirty="0">
+              <a:solidFill>
+                <a:schemeClr val="tx1"/>
+              </a:solidFill>
+            </a:endParaRPr>
           </a:p>
           <a:p>
             <a:pPr marL="0" indent="0">
               <a:buNone/>
             </a:pPr>
             <a:r>
-              <a:rPr lang="ja-JP" altLang="en-US" sz="2800" dirty="0"/>
+              <a:rPr lang="ja-JP" altLang="en-US" sz="2800" dirty="0">
+                <a:solidFill>
+                  <a:schemeClr val="tx1"/>
+                </a:solidFill>
+              </a:rPr>
               <a:t>　　　</a:t>
             </a:r>
             <a:r>
-              <a:rPr kumimoji="1" lang="ja-JP" altLang="en-US" sz="2800" dirty="0"/>
+              <a:rPr kumimoji="1" lang="ja-JP" altLang="en-US" sz="2800" dirty="0">
+                <a:solidFill>
+                  <a:schemeClr val="tx1"/>
+                </a:solidFill>
+              </a:rPr>
               <a:t>みを簡単に把握することができる。</a:t>
             </a:r>
-            <a:endParaRPr lang="en-US" altLang="ja-JP" sz="2800" dirty="0"/>
+            <a:endParaRPr lang="en-US" altLang="ja-JP" sz="2800" dirty="0">
+              <a:solidFill>
+                <a:schemeClr val="tx1"/>
+              </a:solidFill>
+            </a:endParaRPr>
           </a:p>
           <a:p>
             <a:pPr marL="0" indent="0">
               <a:buNone/>
             </a:pPr>
-            <a:endParaRPr lang="en-US" altLang="ja-JP" dirty="0"/>
+            <a:endParaRPr lang="en-US" altLang="ja-JP" dirty="0">
+              <a:solidFill>
+                <a:schemeClr val="tx1"/>
+              </a:solidFill>
+            </a:endParaRPr>
           </a:p>
           <a:p>
             <a:pPr marL="0" indent="0">
               <a:buNone/>
             </a:pPr>
-            <a:endParaRPr lang="en-US" altLang="ja-JP" dirty="0"/>
-          </a:p>
-          <a:p>
-            <a:r>
-              <a:rPr lang="ja-JP" altLang="en-US" sz="2800" dirty="0"/>
+            <a:endParaRPr lang="en-US" altLang="ja-JP" dirty="0">
+              <a:solidFill>
+                <a:schemeClr val="tx1"/>
+              </a:solidFill>
+            </a:endParaRPr>
+          </a:p>
+          <a:p>
+            <a:r>
+              <a:rPr lang="ja-JP" altLang="en-US" sz="2800" dirty="0">
+                <a:solidFill>
+                  <a:schemeClr val="tx1"/>
+                </a:solidFill>
+              </a:rPr>
               <a:t>自分の行動を記録することにより自分自身を分析する。</a:t>
             </a:r>
-            <a:endParaRPr lang="en-US" altLang="ja-JP" sz="2800" dirty="0"/>
+            <a:endParaRPr lang="en-US" altLang="ja-JP" sz="2800" dirty="0">
+              <a:solidFill>
+                <a:schemeClr val="tx1"/>
+              </a:solidFill>
+            </a:endParaRPr>
           </a:p>
           <a:p>
             <a:pPr marL="0" indent="0">
               <a:buNone/>
             </a:pPr>
             <a:r>
-              <a:rPr lang="ja-JP" altLang="en-US" sz="2800" dirty="0"/>
+              <a:rPr lang="ja-JP" altLang="en-US" sz="2800" dirty="0">
+                <a:solidFill>
+                  <a:schemeClr val="tx1"/>
+                </a:solidFill>
+              </a:rPr>
               <a:t>　</a:t>
             </a:r>
-            <a:endParaRPr lang="en-US" altLang="ja-JP" sz="2800" dirty="0"/>
+            <a:endParaRPr lang="en-US" altLang="ja-JP" sz="2800" dirty="0">
+              <a:solidFill>
+                <a:schemeClr val="tx1"/>
+              </a:solidFill>
+            </a:endParaRPr>
           </a:p>
           <a:p>
             <a:pPr marL="0" indent="0">

--- a/Hack U　プレゼン資料.pptx
+++ b/Hack U　プレゼン資料.pptx
@@ -14337,36 +14337,26 @@
         </p:nvSpPr>
         <p:spPr>
           <a:xfrm>
-            <a:off x="1006839" y="2019300"/>
-            <a:ext cx="10178322" cy="2819400"/>
+            <a:off x="1275195" y="2281858"/>
+            <a:ext cx="10178322" cy="2294283"/>
           </a:xfrm>
         </p:spPr>
         <p:txBody>
           <a:bodyPr>
-            <a:normAutofit fontScale="90000"/>
+            <a:normAutofit/>
           </a:bodyPr>
           <a:lstStyle/>
           <a:p>
             <a:r>
               <a:rPr kumimoji="1" lang="ja-JP" altLang="en-US" dirty="0"/>
-              <a:t>実績がないと意味がない！！</a:t>
+              <a:t>過去に自分がどのような行動を起こしたのか把握することが</a:t>
             </a:r>
             <a:br>
               <a:rPr kumimoji="1" lang="en-US" altLang="ja-JP" dirty="0"/>
             </a:br>
-            <a:br>
-              <a:rPr kumimoji="1" lang="en-US" altLang="ja-JP" dirty="0"/>
-            </a:br>
             <a:r>
               <a:rPr kumimoji="1" lang="ja-JP" altLang="en-US" dirty="0"/>
-              <a:t>実績がある→話す内容に説得力を持</a:t>
-            </a:r>
-            <a:br>
-              <a:rPr kumimoji="1" lang="en-US" altLang="ja-JP" dirty="0"/>
-            </a:br>
-            <a:r>
-              <a:rPr kumimoji="1" lang="ja-JP" altLang="en-US" dirty="0"/>
-              <a:t>　　　　　　たせることができる！</a:t>
+              <a:t>重要！！</a:t>
             </a:r>
           </a:p>
         </p:txBody>

--- a/Hack U　プレゼン資料.pptx
+++ b/Hack U　プレゼン資料.pptx
@@ -5043,11 +5043,7 @@
           <a:bodyPr/>
           <a:lstStyle/>
           <a:p>
-            <a:pPr lvl="0"/>
-            <a:r>
-              <a:rPr kumimoji="1" lang="ja-JP" altLang="en-US" dirty="0"/>
-              <a:t>人間は咄嗟に過去の出来ごとを聞かれた場合うそをつく確率が少ないその人の過去に起こした行動パターンがわかる近い将来の行動パターンが予測できる</a:t>
-            </a:r>
+            <a:endParaRPr kumimoji="1" lang="ja-JP" altLang="en-US" dirty="0"/>
           </a:p>
         </p:txBody>
       </p:sp>
@@ -5068,6 +5064,287 @@
           <a:p>
             <a:fld id="{F9D0F094-4874-4C69-894A-4B571AC06604}" type="slidenum">
               <a:rPr kumimoji="1" lang="ja-JP" altLang="en-US" smtClean="0"/>
+              <a:t>1</a:t>
+            </a:fld>
+            <a:endParaRPr kumimoji="1" lang="ja-JP" altLang="en-US"/>
+          </a:p>
+        </p:txBody>
+      </p:sp>
+    </p:spTree>
+    <p:extLst>
+      <p:ext uri="{BB962C8B-B14F-4D97-AF65-F5344CB8AC3E}">
+        <p14:creationId xmlns:p14="http://schemas.microsoft.com/office/powerpoint/2010/main" val="891480760"/>
+      </p:ext>
+    </p:extLst>
+  </p:cSld>
+  <p:clrMapOvr>
+    <a:masterClrMapping/>
+  </p:clrMapOvr>
+</p:notes>
+</file>
+
+<file path=ppt/notesSlides/notesSlide2.xml><?xml version="1.0" encoding="utf-8"?>
+<p:notes xmlns:a="http://schemas.openxmlformats.org/drawingml/2006/main" xmlns:r="http://schemas.openxmlformats.org/officeDocument/2006/relationships" xmlns:p="http://schemas.openxmlformats.org/presentationml/2006/main">
+  <p:cSld>
+    <p:spTree>
+      <p:nvGrpSpPr>
+        <p:cNvPr id="1" name=""/>
+        <p:cNvGrpSpPr/>
+        <p:nvPr/>
+      </p:nvGrpSpPr>
+      <p:grpSpPr>
+        <a:xfrm>
+          <a:off x="0" y="0"/>
+          <a:ext cx="0" cy="0"/>
+          <a:chOff x="0" y="0"/>
+          <a:chExt cx="0" cy="0"/>
+        </a:xfrm>
+      </p:grpSpPr>
+      <p:sp>
+        <p:nvSpPr>
+          <p:cNvPr id="2" name="スライド イメージ プレースホルダー 1"/>
+          <p:cNvSpPr>
+            <a:spLocks noGrp="1" noRot="1" noChangeAspect="1"/>
+          </p:cNvSpPr>
+          <p:nvPr>
+            <p:ph type="sldImg"/>
+          </p:nvPr>
+        </p:nvSpPr>
+        <p:spPr/>
+      </p:sp>
+      <p:sp>
+        <p:nvSpPr>
+          <p:cNvPr id="3" name="ノート プレースホルダー 2"/>
+          <p:cNvSpPr>
+            <a:spLocks noGrp="1"/>
+          </p:cNvSpPr>
+          <p:nvPr>
+            <p:ph type="body" idx="1"/>
+          </p:nvPr>
+        </p:nvSpPr>
+        <p:spPr/>
+        <p:txBody>
+          <a:bodyPr/>
+          <a:lstStyle/>
+          <a:p>
+            <a:r>
+              <a:rPr kumimoji="1" lang="ja-JP" altLang="en-US" dirty="0"/>
+              <a:t>まず初めに、皆さんは</a:t>
+            </a:r>
+          </a:p>
+        </p:txBody>
+      </p:sp>
+      <p:sp>
+        <p:nvSpPr>
+          <p:cNvPr id="4" name="スライド番号プレースホルダー 3"/>
+          <p:cNvSpPr>
+            <a:spLocks noGrp="1"/>
+          </p:cNvSpPr>
+          <p:nvPr>
+            <p:ph type="sldNum" sz="quarter" idx="5"/>
+          </p:nvPr>
+        </p:nvSpPr>
+        <p:spPr/>
+        <p:txBody>
+          <a:bodyPr/>
+          <a:lstStyle/>
+          <a:p>
+            <a:fld id="{F9D0F094-4874-4C69-894A-4B571AC06604}" type="slidenum">
+              <a:rPr kumimoji="1" lang="ja-JP" altLang="en-US" smtClean="0"/>
+              <a:t>2</a:t>
+            </a:fld>
+            <a:endParaRPr kumimoji="1" lang="ja-JP" altLang="en-US"/>
+          </a:p>
+        </p:txBody>
+      </p:sp>
+    </p:spTree>
+    <p:extLst>
+      <p:ext uri="{BB962C8B-B14F-4D97-AF65-F5344CB8AC3E}">
+        <p14:creationId xmlns:p14="http://schemas.microsoft.com/office/powerpoint/2010/main" val="2875753557"/>
+      </p:ext>
+    </p:extLst>
+  </p:cSld>
+  <p:clrMapOvr>
+    <a:masterClrMapping/>
+  </p:clrMapOvr>
+</p:notes>
+</file>
+
+<file path=ppt/notesSlides/notesSlide3.xml><?xml version="1.0" encoding="utf-8"?>
+<p:notes xmlns:a="http://schemas.openxmlformats.org/drawingml/2006/main" xmlns:r="http://schemas.openxmlformats.org/officeDocument/2006/relationships" xmlns:p="http://schemas.openxmlformats.org/presentationml/2006/main">
+  <p:cSld>
+    <p:spTree>
+      <p:nvGrpSpPr>
+        <p:cNvPr id="1" name=""/>
+        <p:cNvGrpSpPr/>
+        <p:nvPr/>
+      </p:nvGrpSpPr>
+      <p:grpSpPr>
+        <a:xfrm>
+          <a:off x="0" y="0"/>
+          <a:ext cx="0" cy="0"/>
+          <a:chOff x="0" y="0"/>
+          <a:chExt cx="0" cy="0"/>
+        </a:xfrm>
+      </p:grpSpPr>
+      <p:sp>
+        <p:nvSpPr>
+          <p:cNvPr id="2" name="スライド イメージ プレースホルダー 1"/>
+          <p:cNvSpPr>
+            <a:spLocks noGrp="1" noRot="1" noChangeAspect="1"/>
+          </p:cNvSpPr>
+          <p:nvPr>
+            <p:ph type="sldImg"/>
+          </p:nvPr>
+        </p:nvSpPr>
+        <p:spPr/>
+      </p:sp>
+      <p:sp>
+        <p:nvSpPr>
+          <p:cNvPr id="3" name="ノート プレースホルダー 2"/>
+          <p:cNvSpPr>
+            <a:spLocks noGrp="1"/>
+          </p:cNvSpPr>
+          <p:nvPr>
+            <p:ph type="body" idx="1"/>
+          </p:nvPr>
+        </p:nvSpPr>
+        <p:spPr/>
+        <p:txBody>
+          <a:bodyPr/>
+          <a:lstStyle/>
+          <a:p>
+            <a:r>
+              <a:rPr kumimoji="1" lang="ja-JP" altLang="en-US" dirty="0"/>
+              <a:t>今、企業では面接の際に　を採用しています。</a:t>
+            </a:r>
+            <a:endParaRPr kumimoji="1" lang="en-US" altLang="ja-JP" dirty="0"/>
+          </a:p>
+          <a:p>
+            <a:r>
+              <a:rPr kumimoji="1" lang="en-US" altLang="ja-JP" dirty="0"/>
+              <a:t>STAR</a:t>
+            </a:r>
+            <a:r>
+              <a:rPr kumimoji="1" lang="ja-JP" altLang="en-US" dirty="0"/>
+              <a:t>手法とは、</a:t>
+            </a:r>
+          </a:p>
+        </p:txBody>
+      </p:sp>
+      <p:sp>
+        <p:nvSpPr>
+          <p:cNvPr id="4" name="スライド番号プレースホルダー 3"/>
+          <p:cNvSpPr>
+            <a:spLocks noGrp="1"/>
+          </p:cNvSpPr>
+          <p:nvPr>
+            <p:ph type="sldNum" sz="quarter" idx="5"/>
+          </p:nvPr>
+        </p:nvSpPr>
+        <p:spPr/>
+        <p:txBody>
+          <a:bodyPr/>
+          <a:lstStyle/>
+          <a:p>
+            <a:fld id="{F9D0F094-4874-4C69-894A-4B571AC06604}" type="slidenum">
+              <a:rPr kumimoji="1" lang="ja-JP" altLang="en-US" smtClean="0"/>
+              <a:t>3</a:t>
+            </a:fld>
+            <a:endParaRPr kumimoji="1" lang="ja-JP" altLang="en-US"/>
+          </a:p>
+        </p:txBody>
+      </p:sp>
+    </p:spTree>
+    <p:extLst>
+      <p:ext uri="{BB962C8B-B14F-4D97-AF65-F5344CB8AC3E}">
+        <p14:creationId xmlns:p14="http://schemas.microsoft.com/office/powerpoint/2010/main" val="1845241838"/>
+      </p:ext>
+    </p:extLst>
+  </p:cSld>
+  <p:clrMapOvr>
+    <a:masterClrMapping/>
+  </p:clrMapOvr>
+</p:notes>
+</file>
+
+<file path=ppt/notesSlides/notesSlide4.xml><?xml version="1.0" encoding="utf-8"?>
+<p:notes xmlns:a="http://schemas.openxmlformats.org/drawingml/2006/main" xmlns:r="http://schemas.openxmlformats.org/officeDocument/2006/relationships" xmlns:p="http://schemas.openxmlformats.org/presentationml/2006/main">
+  <p:cSld>
+    <p:spTree>
+      <p:nvGrpSpPr>
+        <p:cNvPr id="1" name=""/>
+        <p:cNvGrpSpPr/>
+        <p:nvPr/>
+      </p:nvGrpSpPr>
+      <p:grpSpPr>
+        <a:xfrm>
+          <a:off x="0" y="0"/>
+          <a:ext cx="0" cy="0"/>
+          <a:chOff x="0" y="0"/>
+          <a:chExt cx="0" cy="0"/>
+        </a:xfrm>
+      </p:grpSpPr>
+      <p:sp>
+        <p:nvSpPr>
+          <p:cNvPr id="2" name="スライド イメージ プレースホルダー 1"/>
+          <p:cNvSpPr>
+            <a:spLocks noGrp="1" noRot="1" noChangeAspect="1"/>
+          </p:cNvSpPr>
+          <p:nvPr>
+            <p:ph type="sldImg"/>
+          </p:nvPr>
+        </p:nvSpPr>
+        <p:spPr/>
+      </p:sp>
+      <p:sp>
+        <p:nvSpPr>
+          <p:cNvPr id="3" name="ノート プレースホルダー 2"/>
+          <p:cNvSpPr>
+            <a:spLocks noGrp="1"/>
+          </p:cNvSpPr>
+          <p:nvPr>
+            <p:ph type="body" idx="1"/>
+          </p:nvPr>
+        </p:nvSpPr>
+        <p:spPr/>
+        <p:txBody>
+          <a:bodyPr/>
+          <a:lstStyle/>
+          <a:p>
+            <a:pPr lvl="0"/>
+            <a:r>
+              <a:rPr kumimoji="1" lang="ja-JP" altLang="en-US" dirty="0"/>
+              <a:t>人は、過去にある状況下で引き起こした行動を、将来同じ状況下になった時も引き起こすと言われている。</a:t>
+            </a:r>
+            <a:endParaRPr kumimoji="1" lang="en-US" altLang="ja-JP" dirty="0"/>
+          </a:p>
+          <a:p>
+            <a:pPr lvl="0"/>
+            <a:r>
+              <a:rPr kumimoji="1" lang="ja-JP" altLang="en-US" dirty="0"/>
+              <a:t>そのため、その人の過去に起こした行動パターンがわかる近い将来の行動パターンが予測できる</a:t>
+            </a:r>
+          </a:p>
+        </p:txBody>
+      </p:sp>
+      <p:sp>
+        <p:nvSpPr>
+          <p:cNvPr id="4" name="スライド番号プレースホルダー 3"/>
+          <p:cNvSpPr>
+            <a:spLocks noGrp="1"/>
+          </p:cNvSpPr>
+          <p:nvPr>
+            <p:ph type="sldNum" sz="quarter" idx="5"/>
+          </p:nvPr>
+        </p:nvSpPr>
+        <p:spPr/>
+        <p:txBody>
+          <a:bodyPr/>
+          <a:lstStyle/>
+          <a:p>
+            <a:fld id="{F9D0F094-4874-4C69-894A-4B571AC06604}" type="slidenum">
+              <a:rPr kumimoji="1" lang="ja-JP" altLang="en-US" smtClean="0"/>
               <a:t>4</a:t>
             </a:fld>
             <a:endParaRPr kumimoji="1" lang="ja-JP" altLang="en-US"/>
@@ -5078,6 +5355,315 @@
     <p:extLst>
       <p:ext uri="{BB962C8B-B14F-4D97-AF65-F5344CB8AC3E}">
         <p14:creationId xmlns:p14="http://schemas.microsoft.com/office/powerpoint/2010/main" val="4274985692"/>
+      </p:ext>
+    </p:extLst>
+  </p:cSld>
+  <p:clrMapOvr>
+    <a:masterClrMapping/>
+  </p:clrMapOvr>
+</p:notes>
+</file>
+
+<file path=ppt/notesSlides/notesSlide5.xml><?xml version="1.0" encoding="utf-8"?>
+<p:notes xmlns:a="http://schemas.openxmlformats.org/drawingml/2006/main" xmlns:r="http://schemas.openxmlformats.org/officeDocument/2006/relationships" xmlns:p="http://schemas.openxmlformats.org/presentationml/2006/main">
+  <p:cSld>
+    <p:spTree>
+      <p:nvGrpSpPr>
+        <p:cNvPr id="1" name=""/>
+        <p:cNvGrpSpPr/>
+        <p:nvPr/>
+      </p:nvGrpSpPr>
+      <p:grpSpPr>
+        <a:xfrm>
+          <a:off x="0" y="0"/>
+          <a:ext cx="0" cy="0"/>
+          <a:chOff x="0" y="0"/>
+          <a:chExt cx="0" cy="0"/>
+        </a:xfrm>
+      </p:grpSpPr>
+      <p:sp>
+        <p:nvSpPr>
+          <p:cNvPr id="2" name="スライド イメージ プレースホルダー 1"/>
+          <p:cNvSpPr>
+            <a:spLocks noGrp="1" noRot="1" noChangeAspect="1"/>
+          </p:cNvSpPr>
+          <p:nvPr>
+            <p:ph type="sldImg"/>
+          </p:nvPr>
+        </p:nvSpPr>
+        <p:spPr/>
+      </p:sp>
+      <p:sp>
+        <p:nvSpPr>
+          <p:cNvPr id="3" name="ノート プレースホルダー 2"/>
+          <p:cNvSpPr>
+            <a:spLocks noGrp="1"/>
+          </p:cNvSpPr>
+          <p:nvPr>
+            <p:ph type="body" idx="1"/>
+          </p:nvPr>
+        </p:nvSpPr>
+        <p:spPr/>
+        <p:txBody>
+          <a:bodyPr/>
+          <a:lstStyle/>
+          <a:p>
+            <a:r>
+              <a:rPr kumimoji="1" lang="ja-JP" altLang="en-US" dirty="0"/>
+              <a:t>つまり、</a:t>
+            </a:r>
+            <a:endParaRPr kumimoji="1" lang="en-US" altLang="ja-JP" dirty="0"/>
+          </a:p>
+          <a:p>
+            <a:pPr marL="0" marR="0" lvl="0" indent="0" algn="l" defTabSz="914400" rtl="0" eaLnBrk="1" fontAlgn="auto" latinLnBrk="0" hangingPunct="1">
+              <a:lnSpc>
+                <a:spcPct val="100000"/>
+              </a:lnSpc>
+              <a:spcBef>
+                <a:spcPts val="0"/>
+              </a:spcBef>
+              <a:spcAft>
+                <a:spcPts val="0"/>
+              </a:spcAft>
+              <a:buClrTx/>
+              <a:buSzTx/>
+              <a:buFontTx/>
+              <a:buNone/>
+              <a:tabLst/>
+              <a:defRPr/>
+            </a:pPr>
+            <a:r>
+              <a:rPr kumimoji="1" lang="ja-JP" altLang="en-US" dirty="0"/>
+              <a:t>そこで、自分のことを過去の行動や性格などから分析できるアプリを作りたいと考え、アプリの需要市場調査を行った</a:t>
+            </a:r>
+          </a:p>
+        </p:txBody>
+      </p:sp>
+      <p:sp>
+        <p:nvSpPr>
+          <p:cNvPr id="4" name="スライド番号プレースホルダー 3"/>
+          <p:cNvSpPr>
+            <a:spLocks noGrp="1"/>
+          </p:cNvSpPr>
+          <p:nvPr>
+            <p:ph type="sldNum" sz="quarter" idx="5"/>
+          </p:nvPr>
+        </p:nvSpPr>
+        <p:spPr/>
+        <p:txBody>
+          <a:bodyPr/>
+          <a:lstStyle/>
+          <a:p>
+            <a:fld id="{F9D0F094-4874-4C69-894A-4B571AC06604}" type="slidenum">
+              <a:rPr kumimoji="1" lang="ja-JP" altLang="en-US" smtClean="0"/>
+              <a:t>5</a:t>
+            </a:fld>
+            <a:endParaRPr kumimoji="1" lang="ja-JP" altLang="en-US"/>
+          </a:p>
+        </p:txBody>
+      </p:sp>
+    </p:spTree>
+    <p:extLst>
+      <p:ext uri="{BB962C8B-B14F-4D97-AF65-F5344CB8AC3E}">
+        <p14:creationId xmlns:p14="http://schemas.microsoft.com/office/powerpoint/2010/main" val="2232428449"/>
+      </p:ext>
+    </p:extLst>
+  </p:cSld>
+  <p:clrMapOvr>
+    <a:masterClrMapping/>
+  </p:clrMapOvr>
+</p:notes>
+</file>
+
+<file path=ppt/notesSlides/notesSlide6.xml><?xml version="1.0" encoding="utf-8"?>
+<p:notes xmlns:a="http://schemas.openxmlformats.org/drawingml/2006/main" xmlns:r="http://schemas.openxmlformats.org/officeDocument/2006/relationships" xmlns:p="http://schemas.openxmlformats.org/presentationml/2006/main">
+  <p:cSld>
+    <p:spTree>
+      <p:nvGrpSpPr>
+        <p:cNvPr id="1" name=""/>
+        <p:cNvGrpSpPr/>
+        <p:nvPr/>
+      </p:nvGrpSpPr>
+      <p:grpSpPr>
+        <a:xfrm>
+          <a:off x="0" y="0"/>
+          <a:ext cx="0" cy="0"/>
+          <a:chOff x="0" y="0"/>
+          <a:chExt cx="0" cy="0"/>
+        </a:xfrm>
+      </p:grpSpPr>
+      <p:sp>
+        <p:nvSpPr>
+          <p:cNvPr id="2" name="スライド イメージ プレースホルダー 1"/>
+          <p:cNvSpPr>
+            <a:spLocks noGrp="1" noRot="1" noChangeAspect="1"/>
+          </p:cNvSpPr>
+          <p:nvPr>
+            <p:ph type="sldImg"/>
+          </p:nvPr>
+        </p:nvSpPr>
+        <p:spPr/>
+      </p:sp>
+      <p:sp>
+        <p:nvSpPr>
+          <p:cNvPr id="3" name="ノート プレースホルダー 2"/>
+          <p:cNvSpPr>
+            <a:spLocks noGrp="1"/>
+          </p:cNvSpPr>
+          <p:nvPr>
+            <p:ph type="body" idx="1"/>
+          </p:nvPr>
+        </p:nvSpPr>
+        <p:spPr/>
+        <p:txBody>
+          <a:bodyPr/>
+          <a:lstStyle/>
+          <a:p>
+            <a:r>
+              <a:rPr kumimoji="1" lang="ja-JP" altLang="en-US" dirty="0"/>
+              <a:t>大学生中心に</a:t>
+            </a:r>
+            <a:r>
+              <a:rPr kumimoji="1" lang="en-US" altLang="ja-JP" dirty="0"/>
+              <a:t>129</a:t>
+            </a:r>
+            <a:r>
+              <a:rPr kumimoji="1" lang="ja-JP" altLang="en-US" dirty="0"/>
+              <a:t>人にアンケートをとった結果、このような結果になった</a:t>
+            </a:r>
+          </a:p>
+        </p:txBody>
+      </p:sp>
+      <p:sp>
+        <p:nvSpPr>
+          <p:cNvPr id="4" name="スライド番号プレースホルダー 3"/>
+          <p:cNvSpPr>
+            <a:spLocks noGrp="1"/>
+          </p:cNvSpPr>
+          <p:nvPr>
+            <p:ph type="sldNum" sz="quarter" idx="5"/>
+          </p:nvPr>
+        </p:nvSpPr>
+        <p:spPr/>
+        <p:txBody>
+          <a:bodyPr/>
+          <a:lstStyle/>
+          <a:p>
+            <a:fld id="{F9D0F094-4874-4C69-894A-4B571AC06604}" type="slidenum">
+              <a:rPr kumimoji="1" lang="ja-JP" altLang="en-US" smtClean="0"/>
+              <a:t>6</a:t>
+            </a:fld>
+            <a:endParaRPr kumimoji="1" lang="ja-JP" altLang="en-US"/>
+          </a:p>
+        </p:txBody>
+      </p:sp>
+    </p:spTree>
+    <p:extLst>
+      <p:ext uri="{BB962C8B-B14F-4D97-AF65-F5344CB8AC3E}">
+        <p14:creationId xmlns:p14="http://schemas.microsoft.com/office/powerpoint/2010/main" val="1599450835"/>
+      </p:ext>
+    </p:extLst>
+  </p:cSld>
+  <p:clrMapOvr>
+    <a:masterClrMapping/>
+  </p:clrMapOvr>
+</p:notes>
+</file>
+
+<file path=ppt/notesSlides/notesSlide7.xml><?xml version="1.0" encoding="utf-8"?>
+<p:notes xmlns:a="http://schemas.openxmlformats.org/drawingml/2006/main" xmlns:r="http://schemas.openxmlformats.org/officeDocument/2006/relationships" xmlns:p="http://schemas.openxmlformats.org/presentationml/2006/main">
+  <p:cSld>
+    <p:spTree>
+      <p:nvGrpSpPr>
+        <p:cNvPr id="1" name=""/>
+        <p:cNvGrpSpPr/>
+        <p:nvPr/>
+      </p:nvGrpSpPr>
+      <p:grpSpPr>
+        <a:xfrm>
+          <a:off x="0" y="0"/>
+          <a:ext cx="0" cy="0"/>
+          <a:chOff x="0" y="0"/>
+          <a:chExt cx="0" cy="0"/>
+        </a:xfrm>
+      </p:grpSpPr>
+      <p:sp>
+        <p:nvSpPr>
+          <p:cNvPr id="2" name="スライド イメージ プレースホルダー 1"/>
+          <p:cNvSpPr>
+            <a:spLocks noGrp="1" noRot="1" noChangeAspect="1"/>
+          </p:cNvSpPr>
+          <p:nvPr>
+            <p:ph type="sldImg"/>
+          </p:nvPr>
+        </p:nvSpPr>
+        <p:spPr/>
+      </p:sp>
+      <p:sp>
+        <p:nvSpPr>
+          <p:cNvPr id="3" name="ノート プレースホルダー 2"/>
+          <p:cNvSpPr>
+            <a:spLocks noGrp="1"/>
+          </p:cNvSpPr>
+          <p:nvPr>
+            <p:ph type="body" idx="1"/>
+          </p:nvPr>
+        </p:nvSpPr>
+        <p:spPr/>
+        <p:txBody>
+          <a:bodyPr/>
+          <a:lstStyle/>
+          <a:p>
+            <a:r>
+              <a:rPr kumimoji="1" lang="ja-JP" altLang="en-US" dirty="0"/>
+              <a:t>この結果から、どの項目においても</a:t>
+            </a:r>
+            <a:endParaRPr kumimoji="1" lang="en-US" altLang="ja-JP" dirty="0"/>
+          </a:p>
+          <a:p>
+            <a:r>
+              <a:rPr kumimoji="1" lang="ja-JP" altLang="en-US" dirty="0"/>
+              <a:t>やはり、自分のことを理解していない人が多いことと、このアプリの需要はあるということが分かったので、</a:t>
+            </a:r>
+            <a:r>
+              <a:rPr kumimoji="1" lang="en-US" altLang="ja-JP" dirty="0"/>
+              <a:t>FUTURE</a:t>
+            </a:r>
+            <a:r>
+              <a:rPr kumimoji="1" lang="ja-JP" altLang="en-US" dirty="0"/>
+              <a:t>というアプリを作成した</a:t>
+            </a:r>
+            <a:endParaRPr kumimoji="1" lang="en-US" altLang="ja-JP" dirty="0"/>
+          </a:p>
+        </p:txBody>
+      </p:sp>
+      <p:sp>
+        <p:nvSpPr>
+          <p:cNvPr id="4" name="スライド番号プレースホルダー 3"/>
+          <p:cNvSpPr>
+            <a:spLocks noGrp="1"/>
+          </p:cNvSpPr>
+          <p:nvPr>
+            <p:ph type="sldNum" sz="quarter" idx="5"/>
+          </p:nvPr>
+        </p:nvSpPr>
+        <p:spPr/>
+        <p:txBody>
+          <a:bodyPr/>
+          <a:lstStyle/>
+          <a:p>
+            <a:fld id="{F9D0F094-4874-4C69-894A-4B571AC06604}" type="slidenum">
+              <a:rPr kumimoji="1" lang="ja-JP" altLang="en-US" smtClean="0"/>
+              <a:t>8</a:t>
+            </a:fld>
+            <a:endParaRPr kumimoji="1" lang="ja-JP" altLang="en-US"/>
+          </a:p>
+        </p:txBody>
+      </p:sp>
+    </p:spTree>
+    <p:extLst>
+      <p:ext uri="{BB962C8B-B14F-4D97-AF65-F5344CB8AC3E}">
+        <p14:creationId xmlns:p14="http://schemas.microsoft.com/office/powerpoint/2010/main" val="1347469272"/>
       </p:ext>
     </p:extLst>
   </p:cSld>
@@ -14444,7 +15030,7 @@
         </p:xfrm>
         <a:graphic>
           <a:graphicData uri="http://schemas.openxmlformats.org/drawingml/2006/chart">
-            <c:chart xmlns:c="http://schemas.openxmlformats.org/drawingml/2006/chart" xmlns:r="http://schemas.openxmlformats.org/officeDocument/2006/relationships" r:id="rId2"/>
+            <c:chart xmlns:c="http://schemas.openxmlformats.org/drawingml/2006/chart" xmlns:r="http://schemas.openxmlformats.org/officeDocument/2006/relationships" r:id="rId3"/>
           </a:graphicData>
         </a:graphic>
       </p:graphicFrame>
@@ -14475,7 +15061,7 @@
         </p:xfrm>
         <a:graphic>
           <a:graphicData uri="http://schemas.openxmlformats.org/drawingml/2006/chart">
-            <c:chart xmlns:c="http://schemas.openxmlformats.org/drawingml/2006/chart" xmlns:r="http://schemas.openxmlformats.org/officeDocument/2006/relationships" r:id="rId3"/>
+            <c:chart xmlns:c="http://schemas.openxmlformats.org/drawingml/2006/chart" xmlns:r="http://schemas.openxmlformats.org/officeDocument/2006/relationships" r:id="rId4"/>
           </a:graphicData>
         </a:graphic>
       </p:graphicFrame>
@@ -14506,7 +15092,7 @@
         </p:xfrm>
         <a:graphic>
           <a:graphicData uri="http://schemas.openxmlformats.org/drawingml/2006/chart">
-            <c:chart xmlns:c="http://schemas.openxmlformats.org/drawingml/2006/chart" xmlns:r="http://schemas.openxmlformats.org/officeDocument/2006/relationships" r:id="rId4"/>
+            <c:chart xmlns:c="http://schemas.openxmlformats.org/drawingml/2006/chart" xmlns:r="http://schemas.openxmlformats.org/officeDocument/2006/relationships" r:id="rId5"/>
           </a:graphicData>
         </a:graphic>
       </p:graphicFrame>

--- a/Hack U　プレゼン資料.pptx
+++ b/Hack U　プレゼン資料.pptx
@@ -4700,7 +4700,7 @@
           <a:p>
             <a:fld id="{BA9559AF-20B2-40E1-8ED0-444A8F702E8D}" type="datetimeFigureOut">
               <a:rPr kumimoji="1" lang="ja-JP" altLang="en-US" smtClean="0"/>
-              <a:t>2019/8/20</a:t>
+              <a:t>2019/8/21</a:t>
             </a:fld>
             <a:endParaRPr kumimoji="1" lang="ja-JP" altLang="en-US"/>
           </a:p>
@@ -6885,7 +6885,7 @@
             <a:fld id="{9334D819-9F07-4261-B09B-9E467E5D9002}" type="datetimeFigureOut">
               <a:rPr lang="en-US" dirty="0"/>
               <a:pPr/>
-              <a:t>8/20/2019</a:t>
+              <a:t>8/21/2019</a:t>
             </a:fld>
             <a:endParaRPr lang="en-US" dirty="0"/>
           </a:p>
@@ -7151,7 +7151,7 @@
           <a:p>
             <a:fld id="{9334D819-9F07-4261-B09B-9E467E5D9002}" type="datetimeFigureOut">
               <a:rPr lang="en-US" dirty="0"/>
-              <a:t>8/20/2019</a:t>
+              <a:t>8/21/2019</a:t>
             </a:fld>
             <a:endParaRPr lang="en-US" dirty="0"/>
           </a:p>
@@ -7358,7 +7358,7 @@
           <a:p>
             <a:fld id="{9334D819-9F07-4261-B09B-9E467E5D9002}" type="datetimeFigureOut">
               <a:rPr lang="en-US" dirty="0"/>
-              <a:t>8/20/2019</a:t>
+              <a:t>8/21/2019</a:t>
             </a:fld>
             <a:endParaRPr lang="en-US" dirty="0"/>
           </a:p>
@@ -7555,7 +7555,7 @@
           <a:p>
             <a:fld id="{9334D819-9F07-4261-B09B-9E467E5D9002}" type="datetimeFigureOut">
               <a:rPr lang="en-US" dirty="0"/>
-              <a:t>8/20/2019</a:t>
+              <a:t>8/21/2019</a:t>
             </a:fld>
             <a:endParaRPr lang="en-US" dirty="0"/>
           </a:p>
@@ -7824,7 +7824,7 @@
             <a:fld id="{9334D819-9F07-4261-B09B-9E467E5D9002}" type="datetimeFigureOut">
               <a:rPr lang="en-US" dirty="0"/>
               <a:pPr/>
-              <a:t>8/20/2019</a:t>
+              <a:t>8/21/2019</a:t>
             </a:fld>
             <a:endParaRPr lang="en-US" dirty="0"/>
           </a:p>
@@ -9085,7 +9085,7 @@
           <a:p>
             <a:fld id="{9334D819-9F07-4261-B09B-9E467E5D9002}" type="datetimeFigureOut">
               <a:rPr lang="en-US" dirty="0"/>
-              <a:t>8/20/2019</a:t>
+              <a:t>8/21/2019</a:t>
             </a:fld>
             <a:endParaRPr lang="en-US" dirty="0"/>
           </a:p>
@@ -9534,7 +9534,7 @@
           <a:p>
             <a:fld id="{9334D819-9F07-4261-B09B-9E467E5D9002}" type="datetimeFigureOut">
               <a:rPr lang="en-US" dirty="0"/>
-              <a:t>8/20/2019</a:t>
+              <a:t>8/21/2019</a:t>
             </a:fld>
             <a:endParaRPr lang="en-US" dirty="0"/>
           </a:p>
@@ -9652,7 +9652,7 @@
           <a:p>
             <a:fld id="{9334D819-9F07-4261-B09B-9E467E5D9002}" type="datetimeFigureOut">
               <a:rPr lang="en-US" dirty="0"/>
-              <a:t>8/20/2019</a:t>
+              <a:t>8/21/2019</a:t>
             </a:fld>
             <a:endParaRPr lang="en-US" dirty="0"/>
           </a:p>
@@ -9742,7 +9742,7 @@
           <a:p>
             <a:fld id="{9334D819-9F07-4261-B09B-9E467E5D9002}" type="datetimeFigureOut">
               <a:rPr lang="en-US" dirty="0"/>
-              <a:t>8/20/2019</a:t>
+              <a:t>8/21/2019</a:t>
             </a:fld>
             <a:endParaRPr lang="en-US" dirty="0"/>
           </a:p>
@@ -10532,7 +10532,7 @@
           <a:p>
             <a:fld id="{9334D819-9F07-4261-B09B-9E467E5D9002}" type="datetimeFigureOut">
               <a:rPr lang="en-US" dirty="0"/>
-              <a:t>8/20/2019</a:t>
+              <a:t>8/21/2019</a:t>
             </a:fld>
             <a:endParaRPr lang="en-US" dirty="0"/>
           </a:p>
@@ -11367,7 +11367,7 @@
           <a:p>
             <a:fld id="{9334D819-9F07-4261-B09B-9E467E5D9002}" type="datetimeFigureOut">
               <a:rPr lang="en-US" dirty="0"/>
-              <a:t>8/20/2019</a:t>
+              <a:t>8/21/2019</a:t>
             </a:fld>
             <a:endParaRPr lang="en-US" dirty="0"/>
           </a:p>
@@ -11622,7 +11622,7 @@
             <a:fld id="{9334D819-9F07-4261-B09B-9E467E5D9002}" type="datetimeFigureOut">
               <a:rPr lang="en-US" dirty="0"/>
               <a:pPr/>
-              <a:t>8/20/2019</a:t>
+              <a:t>8/21/2019</a:t>
             </a:fld>
             <a:endParaRPr lang="en-US" dirty="0"/>
           </a:p>
@@ -12992,55 +12992,6 @@
       </p:pic>
       <p:sp>
         <p:nvSpPr>
-          <p:cNvPr id="10" name="正方形/長方形 9">
-            <a:extLst>
-              <a:ext uri="{FF2B5EF4-FFF2-40B4-BE49-F238E27FC236}">
-                <a16:creationId xmlns:a16="http://schemas.microsoft.com/office/drawing/2014/main" id="{578B307B-1D6E-4863-A822-A23998891527}"/>
-              </a:ext>
-            </a:extLst>
-          </p:cNvPr>
-          <p:cNvSpPr/>
-          <p:nvPr/>
-        </p:nvSpPr>
-        <p:spPr>
-          <a:xfrm>
-            <a:off x="2905010" y="4571652"/>
-            <a:ext cx="1735209" cy="1814173"/>
-          </a:xfrm>
-          <a:prstGeom prst="rect">
-            <a:avLst/>
-          </a:prstGeom>
-          <a:solidFill>
-            <a:schemeClr val="tx1"/>
-          </a:solidFill>
-        </p:spPr>
-        <p:style>
-          <a:lnRef idx="2">
-            <a:schemeClr val="accent1">
-              <a:shade val="50000"/>
-            </a:schemeClr>
-          </a:lnRef>
-          <a:fillRef idx="1">
-            <a:schemeClr val="accent1"/>
-          </a:fillRef>
-          <a:effectRef idx="0">
-            <a:schemeClr val="accent1"/>
-          </a:effectRef>
-          <a:fontRef idx="minor">
-            <a:schemeClr val="lt1"/>
-          </a:fontRef>
-        </p:style>
-        <p:txBody>
-          <a:bodyPr rtlCol="0" anchor="ctr"/>
-          <a:lstStyle/>
-          <a:p>
-            <a:pPr algn="ctr"/>
-            <a:endParaRPr kumimoji="1" lang="en-US"/>
-          </a:p>
-        </p:txBody>
-      </p:sp>
-      <p:sp>
-        <p:nvSpPr>
           <p:cNvPr id="11" name="正方形/長方形 10">
             <a:extLst>
               <a:ext uri="{FF2B5EF4-FFF2-40B4-BE49-F238E27FC236}">
@@ -13257,36 +13208,6 @@
       </p:sp>
       <p:pic>
         <p:nvPicPr>
-          <p:cNvPr id="16" name="図 15">
-            <a:extLst>
-              <a:ext uri="{FF2B5EF4-FFF2-40B4-BE49-F238E27FC236}">
-                <a16:creationId xmlns:a16="http://schemas.microsoft.com/office/drawing/2014/main" id="{1E087B6A-E5AA-4CCE-A827-522A8AFC2619}"/>
-              </a:ext>
-            </a:extLst>
-          </p:cNvPr>
-          <p:cNvPicPr>
-            <a:picLocks noChangeAspect="1"/>
-          </p:cNvPicPr>
-          <p:nvPr/>
-        </p:nvPicPr>
-        <p:blipFill>
-          <a:blip r:embed="rId5"/>
-          <a:stretch>
-            <a:fillRect/>
-          </a:stretch>
-        </p:blipFill>
-        <p:spPr>
-          <a:xfrm>
-            <a:off x="9438545" y="3642456"/>
-            <a:ext cx="953423" cy="953423"/>
-          </a:xfrm>
-          <a:prstGeom prst="rect">
-            <a:avLst/>
-          </a:prstGeom>
-        </p:spPr>
-      </p:pic>
-      <p:pic>
-        <p:nvPicPr>
           <p:cNvPr id="17" name="図 16">
             <a:extLst>
               <a:ext uri="{FF2B5EF4-FFF2-40B4-BE49-F238E27FC236}">
@@ -13300,7 +13221,7 @@
           <p:nvPr/>
         </p:nvPicPr>
         <p:blipFill>
-          <a:blip r:embed="rId6"/>
+          <a:blip r:embed="rId5"/>
           <a:stretch>
             <a:fillRect/>
           </a:stretch>
@@ -13330,14 +13251,14 @@
           <p:nvPr/>
         </p:nvPicPr>
         <p:blipFill>
-          <a:blip r:embed="rId7"/>
+          <a:blip r:embed="rId6"/>
           <a:stretch>
             <a:fillRect/>
           </a:stretch>
         </p:blipFill>
         <p:spPr>
           <a:xfrm>
-            <a:off x="4837836" y="4556179"/>
+            <a:off x="4804037" y="4556177"/>
             <a:ext cx="1637991" cy="1814173"/>
           </a:xfrm>
           <a:prstGeom prst="rect">
@@ -13360,14 +13281,14 @@
           <p:nvPr/>
         </p:nvPicPr>
         <p:blipFill>
-          <a:blip r:embed="rId8"/>
+          <a:blip r:embed="rId7"/>
           <a:stretch>
             <a:fillRect/>
           </a:stretch>
         </p:blipFill>
         <p:spPr>
           <a:xfrm>
-            <a:off x="2809324" y="4571652"/>
+            <a:off x="2721545" y="4499973"/>
             <a:ext cx="1926583" cy="1926583"/>
           </a:xfrm>
           <a:prstGeom prst="rect">
@@ -13375,55 +13296,6 @@
           </a:prstGeom>
         </p:spPr>
       </p:pic>
-      <p:sp>
-        <p:nvSpPr>
-          <p:cNvPr id="20" name="正方形/長方形 19">
-            <a:extLst>
-              <a:ext uri="{FF2B5EF4-FFF2-40B4-BE49-F238E27FC236}">
-                <a16:creationId xmlns:a16="http://schemas.microsoft.com/office/drawing/2014/main" id="{D2B112E5-B32A-453B-8EDB-B6E0983B584E}"/>
-              </a:ext>
-            </a:extLst>
-          </p:cNvPr>
-          <p:cNvSpPr/>
-          <p:nvPr/>
-        </p:nvSpPr>
-        <p:spPr>
-          <a:xfrm>
-            <a:off x="3988847" y="1791765"/>
-            <a:ext cx="1697978" cy="1081906"/>
-          </a:xfrm>
-          <a:prstGeom prst="rect">
-            <a:avLst/>
-          </a:prstGeom>
-          <a:solidFill>
-            <a:schemeClr val="tx1"/>
-          </a:solidFill>
-        </p:spPr>
-        <p:style>
-          <a:lnRef idx="2">
-            <a:schemeClr val="accent1">
-              <a:shade val="50000"/>
-            </a:schemeClr>
-          </a:lnRef>
-          <a:fillRef idx="1">
-            <a:schemeClr val="accent1"/>
-          </a:fillRef>
-          <a:effectRef idx="0">
-            <a:schemeClr val="accent1"/>
-          </a:effectRef>
-          <a:fontRef idx="minor">
-            <a:schemeClr val="lt1"/>
-          </a:fontRef>
-        </p:style>
-        <p:txBody>
-          <a:bodyPr rtlCol="0" anchor="ctr"/>
-          <a:lstStyle/>
-          <a:p>
-            <a:pPr algn="ctr"/>
-            <a:endParaRPr kumimoji="1" lang="en-US"/>
-          </a:p>
-        </p:txBody>
-      </p:sp>
       <p:pic>
         <p:nvPicPr>
           <p:cNvPr id="21" name="図 20">
@@ -13439,7 +13311,7 @@
           <p:nvPr/>
         </p:nvPicPr>
         <p:blipFill>
-          <a:blip r:embed="rId9"/>
+          <a:blip r:embed="rId8"/>
           <a:stretch>
             <a:fillRect/>
           </a:stretch>
@@ -13454,55 +13326,6 @@
           </a:prstGeom>
         </p:spPr>
       </p:pic>
-      <p:sp>
-        <p:nvSpPr>
-          <p:cNvPr id="22" name="正方形/長方形 21">
-            <a:extLst>
-              <a:ext uri="{FF2B5EF4-FFF2-40B4-BE49-F238E27FC236}">
-                <a16:creationId xmlns:a16="http://schemas.microsoft.com/office/drawing/2014/main" id="{6111AA51-4D16-4BA6-9F33-9E199E5321CF}"/>
-              </a:ext>
-            </a:extLst>
-          </p:cNvPr>
-          <p:cNvSpPr/>
-          <p:nvPr/>
-        </p:nvSpPr>
-        <p:spPr>
-          <a:xfrm>
-            <a:off x="10677654" y="3682560"/>
-            <a:ext cx="936085" cy="912282"/>
-          </a:xfrm>
-          <a:prstGeom prst="rect">
-            <a:avLst/>
-          </a:prstGeom>
-          <a:solidFill>
-            <a:schemeClr val="tx1"/>
-          </a:solidFill>
-        </p:spPr>
-        <p:style>
-          <a:lnRef idx="2">
-            <a:schemeClr val="accent1">
-              <a:shade val="50000"/>
-            </a:schemeClr>
-          </a:lnRef>
-          <a:fillRef idx="1">
-            <a:schemeClr val="accent1"/>
-          </a:fillRef>
-          <a:effectRef idx="0">
-            <a:schemeClr val="accent1"/>
-          </a:effectRef>
-          <a:fontRef idx="minor">
-            <a:schemeClr val="lt1"/>
-          </a:fontRef>
-        </p:style>
-        <p:txBody>
-          <a:bodyPr rtlCol="0" anchor="ctr"/>
-          <a:lstStyle/>
-          <a:p>
-            <a:pPr algn="ctr"/>
-            <a:endParaRPr kumimoji="1" lang="en-US"/>
-          </a:p>
-        </p:txBody>
-      </p:sp>
       <p:pic>
         <p:nvPicPr>
           <p:cNvPr id="23" name="Picture 2" descr="ãgit ã­ã´ãã®ç»åæ¤ç´¢çµæ">
@@ -13518,7 +13341,7 @@
           <p:nvPr/>
         </p:nvPicPr>
         <p:blipFill>
-          <a:blip r:embed="rId10">
+          <a:blip r:embed="rId9">
             <a:extLst>
               <a:ext uri="{28A0092B-C50C-407E-A947-70E740481C1C}">
                 <a14:useLocalDpi xmlns:a14="http://schemas.microsoft.com/office/drawing/2010/main" val="0"/>

--- a/Hack U　プレゼン資料.pptx
+++ b/Hack U　プレゼン資料.pptx
@@ -12748,8 +12748,8 @@
         </p:nvSpPr>
         <p:spPr>
           <a:xfrm>
-            <a:off x="927645" y="3951574"/>
-            <a:ext cx="7532683" cy="2582347"/>
+            <a:off x="2047557" y="3893268"/>
+            <a:ext cx="6062240" cy="2582347"/>
           </a:xfrm>
           <a:prstGeom prst="roundRect">
             <a:avLst/>
@@ -12803,8 +12803,8 @@
         </p:nvSpPr>
         <p:spPr>
           <a:xfrm>
-            <a:off x="9009631" y="1509074"/>
-            <a:ext cx="2842441" cy="5220186"/>
+            <a:off x="8905696" y="1467220"/>
+            <a:ext cx="2842441" cy="3300318"/>
           </a:xfrm>
           <a:prstGeom prst="roundRect">
             <a:avLst/>
@@ -12855,8 +12855,8 @@
         </p:nvSpPr>
         <p:spPr>
           <a:xfrm>
-            <a:off x="927645" y="1500537"/>
-            <a:ext cx="7532683" cy="1592216"/>
+            <a:off x="2045971" y="1467220"/>
+            <a:ext cx="6062241" cy="1592216"/>
           </a:xfrm>
           <a:prstGeom prst="roundRect">
             <a:avLst/>
@@ -12952,7 +12952,7 @@
         </p:blipFill>
         <p:spPr>
           <a:xfrm>
-            <a:off x="1099582" y="4571652"/>
+            <a:off x="2131314" y="4483693"/>
             <a:ext cx="1662929" cy="1814173"/>
           </a:xfrm>
           <a:prstGeom prst="rect">
@@ -13057,7 +13057,7 @@
         </p:nvSpPr>
         <p:spPr>
           <a:xfrm>
-            <a:off x="958575" y="1604147"/>
+            <a:off x="1406184" y="1500400"/>
             <a:ext cx="1396536" cy="461665"/>
           </a:xfrm>
           <a:prstGeom prst="rect">
@@ -13110,7 +13110,7 @@
         </p:nvSpPr>
         <p:spPr>
           <a:xfrm>
-            <a:off x="1019695" y="4063203"/>
+            <a:off x="1439457" y="4022028"/>
             <a:ext cx="1383713" cy="461665"/>
           </a:xfrm>
           <a:prstGeom prst="rect">
@@ -13163,7 +13163,7 @@
         </p:nvSpPr>
         <p:spPr>
           <a:xfrm>
-            <a:off x="4119315" y="3021435"/>
+            <a:off x="4742155" y="2870496"/>
             <a:ext cx="669871" cy="1301139"/>
           </a:xfrm>
           <a:prstGeom prst="downArrow">
@@ -13228,7 +13228,7 @@
         </p:blipFill>
         <p:spPr>
           <a:xfrm>
-            <a:off x="2515496" y="1791765"/>
+            <a:off x="3149404" y="1731233"/>
             <a:ext cx="1163252" cy="1163252"/>
           </a:xfrm>
           <a:prstGeom prst="rect">
@@ -13258,7 +13258,7 @@
         </p:blipFill>
         <p:spPr>
           <a:xfrm>
-            <a:off x="4804037" y="4556177"/>
+            <a:off x="6049968" y="4483693"/>
             <a:ext cx="1637991" cy="1814173"/>
           </a:xfrm>
           <a:prstGeom prst="rect">
@@ -13288,7 +13288,7 @@
         </p:blipFill>
         <p:spPr>
           <a:xfrm>
-            <a:off x="2721545" y="4499973"/>
+            <a:off x="3902505" y="4435803"/>
             <a:ext cx="1926583" cy="1926583"/>
           </a:xfrm>
           <a:prstGeom prst="rect">
@@ -13318,7 +13318,7 @@
         </p:blipFill>
         <p:spPr>
           <a:xfrm>
-            <a:off x="4013393" y="1882058"/>
+            <a:off x="5357608" y="1782441"/>
             <a:ext cx="1551586" cy="1049084"/>
           </a:xfrm>
           <a:prstGeom prst="rect">
